--- a/plots/overlap_matrices/overlap_matrices_comp.pptx
+++ b/plots/overlap_matrices/overlap_matrices_comp.pptx
@@ -2,18 +2,18 @@
 <file path=ppt/presentation.xml><?xml version="1.0" encoding="utf-8"?>
 <p:presentation xmlns:a="http://schemas.openxmlformats.org/drawingml/2006/main" xmlns:r="http://schemas.openxmlformats.org/officeDocument/2006/relationships" xmlns:p="http://schemas.openxmlformats.org/presentationml/2006/main" saveSubsetFonts="1" autoCompressPictures="0">
   <p:sldMasterIdLst>
-    <p:sldMasterId id="2147483648" r:id="rId1"/>
+    <p:sldMasterId id="2147483660" r:id="rId1"/>
   </p:sldMasterIdLst>
   <p:sldIdLst>
     <p:sldId id="256" r:id="rId2"/>
   </p:sldIdLst>
-  <p:sldSz cx="12192000" cy="6858000"/>
+  <p:sldSz cx="6858000" cy="12192000"/>
   <p:notesSz cx="6858000" cy="9144000"/>
   <p:defaultTextStyle>
     <a:defPPr>
-      <a:defRPr lang="en-FI"/>
+      <a:defRPr lang="en-US"/>
     </a:defPPr>
-    <a:lvl1pPr marL="0" algn="l" defTabSz="914400" rtl="0" eaLnBrk="1" latinLnBrk="0" hangingPunct="1">
+    <a:lvl1pPr marL="0" algn="l" defTabSz="457200" rtl="0" eaLnBrk="1" latinLnBrk="0" hangingPunct="1">
       <a:defRPr sz="1800" kern="1200">
         <a:solidFill>
           <a:schemeClr val="tx1"/>
@@ -23,7 +23,7 @@
         <a:cs typeface="+mn-cs"/>
       </a:defRPr>
     </a:lvl1pPr>
-    <a:lvl2pPr marL="457200" algn="l" defTabSz="914400" rtl="0" eaLnBrk="1" latinLnBrk="0" hangingPunct="1">
+    <a:lvl2pPr marL="457200" algn="l" defTabSz="457200" rtl="0" eaLnBrk="1" latinLnBrk="0" hangingPunct="1">
       <a:defRPr sz="1800" kern="1200">
         <a:solidFill>
           <a:schemeClr val="tx1"/>
@@ -33,7 +33,7 @@
         <a:cs typeface="+mn-cs"/>
       </a:defRPr>
     </a:lvl2pPr>
-    <a:lvl3pPr marL="914400" algn="l" defTabSz="914400" rtl="0" eaLnBrk="1" latinLnBrk="0" hangingPunct="1">
+    <a:lvl3pPr marL="914400" algn="l" defTabSz="457200" rtl="0" eaLnBrk="1" latinLnBrk="0" hangingPunct="1">
       <a:defRPr sz="1800" kern="1200">
         <a:solidFill>
           <a:schemeClr val="tx1"/>
@@ -43,7 +43,7 @@
         <a:cs typeface="+mn-cs"/>
       </a:defRPr>
     </a:lvl3pPr>
-    <a:lvl4pPr marL="1371600" algn="l" defTabSz="914400" rtl="0" eaLnBrk="1" latinLnBrk="0" hangingPunct="1">
+    <a:lvl4pPr marL="1371600" algn="l" defTabSz="457200" rtl="0" eaLnBrk="1" latinLnBrk="0" hangingPunct="1">
       <a:defRPr sz="1800" kern="1200">
         <a:solidFill>
           <a:schemeClr val="tx1"/>
@@ -53,7 +53,7 @@
         <a:cs typeface="+mn-cs"/>
       </a:defRPr>
     </a:lvl4pPr>
-    <a:lvl5pPr marL="1828800" algn="l" defTabSz="914400" rtl="0" eaLnBrk="1" latinLnBrk="0" hangingPunct="1">
+    <a:lvl5pPr marL="1828800" algn="l" defTabSz="457200" rtl="0" eaLnBrk="1" latinLnBrk="0" hangingPunct="1">
       <a:defRPr sz="1800" kern="1200">
         <a:solidFill>
           <a:schemeClr val="tx1"/>
@@ -63,7 +63,7 @@
         <a:cs typeface="+mn-cs"/>
       </a:defRPr>
     </a:lvl5pPr>
-    <a:lvl6pPr marL="2286000" algn="l" defTabSz="914400" rtl="0" eaLnBrk="1" latinLnBrk="0" hangingPunct="1">
+    <a:lvl6pPr marL="2286000" algn="l" defTabSz="457200" rtl="0" eaLnBrk="1" latinLnBrk="0" hangingPunct="1">
       <a:defRPr sz="1800" kern="1200">
         <a:solidFill>
           <a:schemeClr val="tx1"/>
@@ -73,7 +73,7 @@
         <a:cs typeface="+mn-cs"/>
       </a:defRPr>
     </a:lvl6pPr>
-    <a:lvl7pPr marL="2743200" algn="l" defTabSz="914400" rtl="0" eaLnBrk="1" latinLnBrk="0" hangingPunct="1">
+    <a:lvl7pPr marL="2743200" algn="l" defTabSz="457200" rtl="0" eaLnBrk="1" latinLnBrk="0" hangingPunct="1">
       <a:defRPr sz="1800" kern="1200">
         <a:solidFill>
           <a:schemeClr val="tx1"/>
@@ -83,7 +83,7 @@
         <a:cs typeface="+mn-cs"/>
       </a:defRPr>
     </a:lvl7pPr>
-    <a:lvl8pPr marL="3200400" algn="l" defTabSz="914400" rtl="0" eaLnBrk="1" latinLnBrk="0" hangingPunct="1">
+    <a:lvl8pPr marL="3200400" algn="l" defTabSz="457200" rtl="0" eaLnBrk="1" latinLnBrk="0" hangingPunct="1">
       <a:defRPr sz="1800" kern="1200">
         <a:solidFill>
           <a:schemeClr val="tx1"/>
@@ -93,7 +93,7 @@
         <a:cs typeface="+mn-cs"/>
       </a:defRPr>
     </a:lvl8pPr>
-    <a:lvl9pPr marL="3657600" algn="l" defTabSz="914400" rtl="0" eaLnBrk="1" latinLnBrk="0" hangingPunct="1">
+    <a:lvl9pPr marL="3657600" algn="l" defTabSz="457200" rtl="0" eaLnBrk="1" latinLnBrk="0" hangingPunct="1">
       <a:defRPr sz="1800" kern="1200">
         <a:solidFill>
           <a:schemeClr val="tx1"/>
@@ -107,12 +107,7 @@
   <p:extLst>
     <p:ext uri="{EFAFB233-063F-42B5-8137-9DF3F51BA10A}">
       <p15:sldGuideLst xmlns:p15="http://schemas.microsoft.com/office/powerpoint/2012/main">
-        <p15:guide id="1" orient="horz" pos="346" userDrawn="1">
-          <p15:clr>
-            <a:srgbClr val="A4A3A4"/>
-          </p15:clr>
-        </p15:guide>
-        <p15:guide id="2" pos="166" userDrawn="1">
+        <p15:guide id="1" orient="horz" pos="4067" userDrawn="1">
           <p15:clr>
             <a:srgbClr val="A4A3A4"/>
           </p15:clr>
@@ -142,13 +137,7 @@
       </p:grpSpPr>
       <p:sp>
         <p:nvSpPr>
-          <p:cNvPr id="2" name="Title 1">
-            <a:extLst>
-              <a:ext uri="{FF2B5EF4-FFF2-40B4-BE49-F238E27FC236}">
-                <a16:creationId xmlns:a16="http://schemas.microsoft.com/office/drawing/2014/main" id="{3F282DDE-61F4-C2AA-373F-F5F2F8D4751D}"/>
-              </a:ext>
-            </a:extLst>
-          </p:cNvPr>
+          <p:cNvPr id="2" name="Title 1"/>
           <p:cNvSpPr>
             <a:spLocks noGrp="1"/>
           </p:cNvSpPr>
@@ -158,15 +147,15 @@
         </p:nvSpPr>
         <p:spPr>
           <a:xfrm>
-            <a:off x="1524000" y="1122363"/>
-            <a:ext cx="9144000" cy="2387600"/>
+            <a:off x="514350" y="1995312"/>
+            <a:ext cx="5829300" cy="4244622"/>
           </a:xfrm>
         </p:spPr>
         <p:txBody>
           <a:bodyPr anchor="b"/>
           <a:lstStyle>
             <a:lvl1pPr algn="ctr">
-              <a:defRPr sz="6000"/>
+              <a:defRPr sz="4500"/>
             </a:lvl1pPr>
           </a:lstStyle>
           <a:p>
@@ -174,18 +163,13 @@
               <a:rPr lang="en-GB"/>
               <a:t>Click to edit Master title style</a:t>
             </a:r>
-          </a:p>
-        </p:txBody>
-      </p:sp>
-      <p:sp>
-        <p:nvSpPr>
-          <p:cNvPr id="3" name="Subtitle 2">
-            <a:extLst>
-              <a:ext uri="{FF2B5EF4-FFF2-40B4-BE49-F238E27FC236}">
-                <a16:creationId xmlns:a16="http://schemas.microsoft.com/office/drawing/2014/main" id="{33EC4CDB-8DFB-F141-8FBF-7A0714F80FBA}"/>
-              </a:ext>
-            </a:extLst>
-          </p:cNvPr>
+            <a:endParaRPr lang="en-US" dirty="0"/>
+          </a:p>
+        </p:txBody>
+      </p:sp>
+      <p:sp>
+        <p:nvSpPr>
+          <p:cNvPr id="3" name="Subtitle 2"/>
           <p:cNvSpPr>
             <a:spLocks noGrp="1"/>
           </p:cNvSpPr>
@@ -195,8 +179,8 @@
         </p:nvSpPr>
         <p:spPr>
           <a:xfrm>
-            <a:off x="1524000" y="3602038"/>
-            <a:ext cx="9144000" cy="1655762"/>
+            <a:off x="857250" y="6403623"/>
+            <a:ext cx="5143500" cy="2943577"/>
           </a:xfrm>
         </p:spPr>
         <p:txBody>
@@ -204,39 +188,39 @@
           <a:lstStyle>
             <a:lvl1pPr marL="0" indent="0" algn="ctr">
               <a:buNone/>
-              <a:defRPr sz="2400"/>
+              <a:defRPr sz="1800"/>
             </a:lvl1pPr>
-            <a:lvl2pPr marL="457200" indent="0" algn="ctr">
-              <a:buNone/>
-              <a:defRPr sz="2000"/>
+            <a:lvl2pPr marL="342900" indent="0" algn="ctr">
+              <a:buNone/>
+              <a:defRPr sz="1500"/>
             </a:lvl2pPr>
-            <a:lvl3pPr marL="914400" indent="0" algn="ctr">
-              <a:buNone/>
-              <a:defRPr sz="1800"/>
+            <a:lvl3pPr marL="685800" indent="0" algn="ctr">
+              <a:buNone/>
+              <a:defRPr sz="1350"/>
             </a:lvl3pPr>
-            <a:lvl4pPr marL="1371600" indent="0" algn="ctr">
-              <a:buNone/>
-              <a:defRPr sz="1600"/>
+            <a:lvl4pPr marL="1028700" indent="0" algn="ctr">
+              <a:buNone/>
+              <a:defRPr sz="1200"/>
             </a:lvl4pPr>
-            <a:lvl5pPr marL="1828800" indent="0" algn="ctr">
-              <a:buNone/>
-              <a:defRPr sz="1600"/>
+            <a:lvl5pPr marL="1371600" indent="0" algn="ctr">
+              <a:buNone/>
+              <a:defRPr sz="1200"/>
             </a:lvl5pPr>
-            <a:lvl6pPr marL="2286000" indent="0" algn="ctr">
-              <a:buNone/>
-              <a:defRPr sz="1600"/>
+            <a:lvl6pPr marL="1714500" indent="0" algn="ctr">
+              <a:buNone/>
+              <a:defRPr sz="1200"/>
             </a:lvl6pPr>
-            <a:lvl7pPr marL="2743200" indent="0" algn="ctr">
-              <a:buNone/>
-              <a:defRPr sz="1600"/>
+            <a:lvl7pPr marL="2057400" indent="0" algn="ctr">
+              <a:buNone/>
+              <a:defRPr sz="1200"/>
             </a:lvl7pPr>
-            <a:lvl8pPr marL="3200400" indent="0" algn="ctr">
-              <a:buNone/>
-              <a:defRPr sz="1600"/>
+            <a:lvl8pPr marL="2400300" indent="0" algn="ctr">
+              <a:buNone/>
+              <a:defRPr sz="1200"/>
             </a:lvl8pPr>
-            <a:lvl9pPr marL="3657600" indent="0" algn="ctr">
-              <a:buNone/>
-              <a:defRPr sz="1600"/>
+            <a:lvl9pPr marL="2743200" indent="0" algn="ctr">
+              <a:buNone/>
+              <a:defRPr sz="1200"/>
             </a:lvl9pPr>
           </a:lstStyle>
           <a:p>
@@ -244,18 +228,13 @@
               <a:rPr lang="en-GB"/>
               <a:t>Click to edit Master subtitle style</a:t>
             </a:r>
-          </a:p>
-        </p:txBody>
-      </p:sp>
-      <p:sp>
-        <p:nvSpPr>
-          <p:cNvPr id="4" name="Date Placeholder 3">
-            <a:extLst>
-              <a:ext uri="{FF2B5EF4-FFF2-40B4-BE49-F238E27FC236}">
-                <a16:creationId xmlns:a16="http://schemas.microsoft.com/office/drawing/2014/main" id="{D308D8B1-FFDF-6780-4A5B-890E232B800E}"/>
-              </a:ext>
-            </a:extLst>
-          </p:cNvPr>
+            <a:endParaRPr lang="en-US" dirty="0"/>
+          </a:p>
+        </p:txBody>
+      </p:sp>
+      <p:sp>
+        <p:nvSpPr>
+          <p:cNvPr id="4" name="Date Placeholder 3"/>
           <p:cNvSpPr>
             <a:spLocks noGrp="1"/>
           </p:cNvSpPr>
@@ -278,13 +257,7 @@
       </p:sp>
       <p:sp>
         <p:nvSpPr>
-          <p:cNvPr id="5" name="Footer Placeholder 4">
-            <a:extLst>
-              <a:ext uri="{FF2B5EF4-FFF2-40B4-BE49-F238E27FC236}">
-                <a16:creationId xmlns:a16="http://schemas.microsoft.com/office/drawing/2014/main" id="{5006F981-ED62-D1DF-0CB9-EF5BCF0F6698}"/>
-              </a:ext>
-            </a:extLst>
-          </p:cNvPr>
+          <p:cNvPr id="5" name="Footer Placeholder 4"/>
           <p:cNvSpPr>
             <a:spLocks noGrp="1"/>
           </p:cNvSpPr>
@@ -303,13 +276,7 @@
       </p:sp>
       <p:sp>
         <p:nvSpPr>
-          <p:cNvPr id="6" name="Slide Number Placeholder 5">
-            <a:extLst>
-              <a:ext uri="{FF2B5EF4-FFF2-40B4-BE49-F238E27FC236}">
-                <a16:creationId xmlns:a16="http://schemas.microsoft.com/office/drawing/2014/main" id="{87EE8D68-AC53-60DE-8C20-7C75B1EA1111}"/>
-              </a:ext>
-            </a:extLst>
-          </p:cNvPr>
+          <p:cNvPr id="6" name="Slide Number Placeholder 5"/>
           <p:cNvSpPr>
             <a:spLocks noGrp="1"/>
           </p:cNvSpPr>
@@ -333,7 +300,7 @@
     </p:spTree>
     <p:extLst>
       <p:ext uri="{BB962C8B-B14F-4D97-AF65-F5344CB8AC3E}">
-        <p14:creationId xmlns:p14="http://schemas.microsoft.com/office/powerpoint/2010/main" val="974810874"/>
+        <p14:creationId xmlns:p14="http://schemas.microsoft.com/office/powerpoint/2010/main" val="3808788535"/>
       </p:ext>
     </p:extLst>
   </p:cSld>
@@ -362,13 +329,7 @@
       </p:grpSpPr>
       <p:sp>
         <p:nvSpPr>
-          <p:cNvPr id="2" name="Title 1">
-            <a:extLst>
-              <a:ext uri="{FF2B5EF4-FFF2-40B4-BE49-F238E27FC236}">
-                <a16:creationId xmlns:a16="http://schemas.microsoft.com/office/drawing/2014/main" id="{E1E69E31-2816-DFD2-D9DB-94F8BD53C0EC}"/>
-              </a:ext>
-            </a:extLst>
-          </p:cNvPr>
+          <p:cNvPr id="2" name="Title 1"/>
           <p:cNvSpPr>
             <a:spLocks noGrp="1"/>
           </p:cNvSpPr>
@@ -385,18 +346,13 @@
               <a:rPr lang="en-GB"/>
               <a:t>Click to edit Master title style</a:t>
             </a:r>
-          </a:p>
-        </p:txBody>
-      </p:sp>
-      <p:sp>
-        <p:nvSpPr>
-          <p:cNvPr id="3" name="Vertical Text Placeholder 2">
-            <a:extLst>
-              <a:ext uri="{FF2B5EF4-FFF2-40B4-BE49-F238E27FC236}">
-                <a16:creationId xmlns:a16="http://schemas.microsoft.com/office/drawing/2014/main" id="{5860B34D-01EA-E9E6-4103-E9FDE7B5E344}"/>
-              </a:ext>
-            </a:extLst>
-          </p:cNvPr>
+            <a:endParaRPr lang="en-US" dirty="0"/>
+          </a:p>
+        </p:txBody>
+      </p:sp>
+      <p:sp>
+        <p:nvSpPr>
+          <p:cNvPr id="3" name="Vertical Text Placeholder 2"/>
           <p:cNvSpPr>
             <a:spLocks noGrp="1"/>
           </p:cNvSpPr>
@@ -442,18 +398,13 @@
               <a:rPr lang="en-GB"/>
               <a:t>Fifth level</a:t>
             </a:r>
-          </a:p>
-        </p:txBody>
-      </p:sp>
-      <p:sp>
-        <p:nvSpPr>
-          <p:cNvPr id="4" name="Date Placeholder 3">
-            <a:extLst>
-              <a:ext uri="{FF2B5EF4-FFF2-40B4-BE49-F238E27FC236}">
-                <a16:creationId xmlns:a16="http://schemas.microsoft.com/office/drawing/2014/main" id="{859B59B0-6A8B-F8B9-EDF8-F8D7B9B9C405}"/>
-              </a:ext>
-            </a:extLst>
-          </p:cNvPr>
+            <a:endParaRPr lang="en-US" dirty="0"/>
+          </a:p>
+        </p:txBody>
+      </p:sp>
+      <p:sp>
+        <p:nvSpPr>
+          <p:cNvPr id="4" name="Date Placeholder 3"/>
           <p:cNvSpPr>
             <a:spLocks noGrp="1"/>
           </p:cNvSpPr>
@@ -476,13 +427,7 @@
       </p:sp>
       <p:sp>
         <p:nvSpPr>
-          <p:cNvPr id="5" name="Footer Placeholder 4">
-            <a:extLst>
-              <a:ext uri="{FF2B5EF4-FFF2-40B4-BE49-F238E27FC236}">
-                <a16:creationId xmlns:a16="http://schemas.microsoft.com/office/drawing/2014/main" id="{FE5BB210-8F8F-F071-8684-45A81B8CB5C0}"/>
-              </a:ext>
-            </a:extLst>
-          </p:cNvPr>
+          <p:cNvPr id="5" name="Footer Placeholder 4"/>
           <p:cNvSpPr>
             <a:spLocks noGrp="1"/>
           </p:cNvSpPr>
@@ -501,13 +446,7 @@
       </p:sp>
       <p:sp>
         <p:nvSpPr>
-          <p:cNvPr id="6" name="Slide Number Placeholder 5">
-            <a:extLst>
-              <a:ext uri="{FF2B5EF4-FFF2-40B4-BE49-F238E27FC236}">
-                <a16:creationId xmlns:a16="http://schemas.microsoft.com/office/drawing/2014/main" id="{8A5325AC-8929-FDFE-E705-12DB18D9423D}"/>
-              </a:ext>
-            </a:extLst>
-          </p:cNvPr>
+          <p:cNvPr id="6" name="Slide Number Placeholder 5"/>
           <p:cNvSpPr>
             <a:spLocks noGrp="1"/>
           </p:cNvSpPr>
@@ -531,7 +470,7 @@
     </p:spTree>
     <p:extLst>
       <p:ext uri="{BB962C8B-B14F-4D97-AF65-F5344CB8AC3E}">
-        <p14:creationId xmlns:p14="http://schemas.microsoft.com/office/powerpoint/2010/main" val="1803267173"/>
+        <p14:creationId xmlns:p14="http://schemas.microsoft.com/office/powerpoint/2010/main" val="1487509400"/>
       </p:ext>
     </p:extLst>
   </p:cSld>
@@ -560,13 +499,7 @@
       </p:grpSpPr>
       <p:sp>
         <p:nvSpPr>
-          <p:cNvPr id="2" name="Vertical Title 1">
-            <a:extLst>
-              <a:ext uri="{FF2B5EF4-FFF2-40B4-BE49-F238E27FC236}">
-                <a16:creationId xmlns:a16="http://schemas.microsoft.com/office/drawing/2014/main" id="{936CB1F9-9C22-F96C-C77D-17B91E417E57}"/>
-              </a:ext>
-            </a:extLst>
-          </p:cNvPr>
+          <p:cNvPr id="2" name="Vertical Title 1"/>
           <p:cNvSpPr>
             <a:spLocks noGrp="1"/>
           </p:cNvSpPr>
@@ -576,8 +509,8 @@
         </p:nvSpPr>
         <p:spPr>
           <a:xfrm>
-            <a:off x="8724900" y="365125"/>
-            <a:ext cx="2628900" cy="5811838"/>
+            <a:off x="4907757" y="649111"/>
+            <a:ext cx="1478756" cy="10332156"/>
           </a:xfrm>
         </p:spPr>
         <p:txBody>
@@ -588,18 +521,13 @@
               <a:rPr lang="en-GB"/>
               <a:t>Click to edit Master title style</a:t>
             </a:r>
-          </a:p>
-        </p:txBody>
-      </p:sp>
-      <p:sp>
-        <p:nvSpPr>
-          <p:cNvPr id="3" name="Vertical Text Placeholder 2">
-            <a:extLst>
-              <a:ext uri="{FF2B5EF4-FFF2-40B4-BE49-F238E27FC236}">
-                <a16:creationId xmlns:a16="http://schemas.microsoft.com/office/drawing/2014/main" id="{2431D25F-E9D1-6771-3717-56D03F796518}"/>
-              </a:ext>
-            </a:extLst>
-          </p:cNvPr>
+            <a:endParaRPr lang="en-US" dirty="0"/>
+          </a:p>
+        </p:txBody>
+      </p:sp>
+      <p:sp>
+        <p:nvSpPr>
+          <p:cNvPr id="3" name="Vertical Text Placeholder 2"/>
           <p:cNvSpPr>
             <a:spLocks noGrp="1"/>
           </p:cNvSpPr>
@@ -609,8 +537,8 @@
         </p:nvSpPr>
         <p:spPr>
           <a:xfrm>
-            <a:off x="838200" y="365125"/>
-            <a:ext cx="7734300" cy="5811838"/>
+            <a:off x="471488" y="649111"/>
+            <a:ext cx="4350544" cy="10332156"/>
           </a:xfrm>
         </p:spPr>
         <p:txBody>
@@ -650,18 +578,13 @@
               <a:rPr lang="en-GB"/>
               <a:t>Fifth level</a:t>
             </a:r>
-          </a:p>
-        </p:txBody>
-      </p:sp>
-      <p:sp>
-        <p:nvSpPr>
-          <p:cNvPr id="4" name="Date Placeholder 3">
-            <a:extLst>
-              <a:ext uri="{FF2B5EF4-FFF2-40B4-BE49-F238E27FC236}">
-                <a16:creationId xmlns:a16="http://schemas.microsoft.com/office/drawing/2014/main" id="{A5AD8212-C0B1-DA61-C453-9780264EE2AE}"/>
-              </a:ext>
-            </a:extLst>
-          </p:cNvPr>
+            <a:endParaRPr lang="en-US" dirty="0"/>
+          </a:p>
+        </p:txBody>
+      </p:sp>
+      <p:sp>
+        <p:nvSpPr>
+          <p:cNvPr id="4" name="Date Placeholder 3"/>
           <p:cNvSpPr>
             <a:spLocks noGrp="1"/>
           </p:cNvSpPr>
@@ -684,13 +607,7 @@
       </p:sp>
       <p:sp>
         <p:nvSpPr>
-          <p:cNvPr id="5" name="Footer Placeholder 4">
-            <a:extLst>
-              <a:ext uri="{FF2B5EF4-FFF2-40B4-BE49-F238E27FC236}">
-                <a16:creationId xmlns:a16="http://schemas.microsoft.com/office/drawing/2014/main" id="{416574B2-763A-A1F7-BFB2-CFF4A5C77209}"/>
-              </a:ext>
-            </a:extLst>
-          </p:cNvPr>
+          <p:cNvPr id="5" name="Footer Placeholder 4"/>
           <p:cNvSpPr>
             <a:spLocks noGrp="1"/>
           </p:cNvSpPr>
@@ -709,13 +626,7 @@
       </p:sp>
       <p:sp>
         <p:nvSpPr>
-          <p:cNvPr id="6" name="Slide Number Placeholder 5">
-            <a:extLst>
-              <a:ext uri="{FF2B5EF4-FFF2-40B4-BE49-F238E27FC236}">
-                <a16:creationId xmlns:a16="http://schemas.microsoft.com/office/drawing/2014/main" id="{AE604433-83AD-BA0C-8F35-FAD61B697782}"/>
-              </a:ext>
-            </a:extLst>
-          </p:cNvPr>
+          <p:cNvPr id="6" name="Slide Number Placeholder 5"/>
           <p:cNvSpPr>
             <a:spLocks noGrp="1"/>
           </p:cNvSpPr>
@@ -739,7 +650,7 @@
     </p:spTree>
     <p:extLst>
       <p:ext uri="{BB962C8B-B14F-4D97-AF65-F5344CB8AC3E}">
-        <p14:creationId xmlns:p14="http://schemas.microsoft.com/office/powerpoint/2010/main" val="3329971301"/>
+        <p14:creationId xmlns:p14="http://schemas.microsoft.com/office/powerpoint/2010/main" val="3718357540"/>
       </p:ext>
     </p:extLst>
   </p:cSld>
@@ -768,13 +679,7 @@
       </p:grpSpPr>
       <p:sp>
         <p:nvSpPr>
-          <p:cNvPr id="2" name="Title 1">
-            <a:extLst>
-              <a:ext uri="{FF2B5EF4-FFF2-40B4-BE49-F238E27FC236}">
-                <a16:creationId xmlns:a16="http://schemas.microsoft.com/office/drawing/2014/main" id="{62511C93-B2A0-822E-5EE4-7B9244573201}"/>
-              </a:ext>
-            </a:extLst>
-          </p:cNvPr>
+          <p:cNvPr id="2" name="Title 1"/>
           <p:cNvSpPr>
             <a:spLocks noGrp="1"/>
           </p:cNvSpPr>
@@ -791,18 +696,13 @@
               <a:rPr lang="en-GB"/>
               <a:t>Click to edit Master title style</a:t>
             </a:r>
-          </a:p>
-        </p:txBody>
-      </p:sp>
-      <p:sp>
-        <p:nvSpPr>
-          <p:cNvPr id="3" name="Content Placeholder 2">
-            <a:extLst>
-              <a:ext uri="{FF2B5EF4-FFF2-40B4-BE49-F238E27FC236}">
-                <a16:creationId xmlns:a16="http://schemas.microsoft.com/office/drawing/2014/main" id="{2C897E19-0147-4DC2-40DA-729A5CBE11CD}"/>
-              </a:ext>
-            </a:extLst>
-          </p:cNvPr>
+            <a:endParaRPr lang="en-US" dirty="0"/>
+          </a:p>
+        </p:txBody>
+      </p:sp>
+      <p:sp>
+        <p:nvSpPr>
+          <p:cNvPr id="3" name="Content Placeholder 2"/>
           <p:cNvSpPr>
             <a:spLocks noGrp="1"/>
           </p:cNvSpPr>
@@ -848,18 +748,13 @@
               <a:rPr lang="en-GB"/>
               <a:t>Fifth level</a:t>
             </a:r>
-          </a:p>
-        </p:txBody>
-      </p:sp>
-      <p:sp>
-        <p:nvSpPr>
-          <p:cNvPr id="4" name="Date Placeholder 3">
-            <a:extLst>
-              <a:ext uri="{FF2B5EF4-FFF2-40B4-BE49-F238E27FC236}">
-                <a16:creationId xmlns:a16="http://schemas.microsoft.com/office/drawing/2014/main" id="{E237C6A1-E1DA-C218-2EAD-E4A3501ADE51}"/>
-              </a:ext>
-            </a:extLst>
-          </p:cNvPr>
+            <a:endParaRPr lang="en-US" dirty="0"/>
+          </a:p>
+        </p:txBody>
+      </p:sp>
+      <p:sp>
+        <p:nvSpPr>
+          <p:cNvPr id="4" name="Date Placeholder 3"/>
           <p:cNvSpPr>
             <a:spLocks noGrp="1"/>
           </p:cNvSpPr>
@@ -882,13 +777,7 @@
       </p:sp>
       <p:sp>
         <p:nvSpPr>
-          <p:cNvPr id="5" name="Footer Placeholder 4">
-            <a:extLst>
-              <a:ext uri="{FF2B5EF4-FFF2-40B4-BE49-F238E27FC236}">
-                <a16:creationId xmlns:a16="http://schemas.microsoft.com/office/drawing/2014/main" id="{F1B6BCCF-36C7-AE45-13BF-41573AEEA9E5}"/>
-              </a:ext>
-            </a:extLst>
-          </p:cNvPr>
+          <p:cNvPr id="5" name="Footer Placeholder 4"/>
           <p:cNvSpPr>
             <a:spLocks noGrp="1"/>
           </p:cNvSpPr>
@@ -907,13 +796,7 @@
       </p:sp>
       <p:sp>
         <p:nvSpPr>
-          <p:cNvPr id="6" name="Slide Number Placeholder 5">
-            <a:extLst>
-              <a:ext uri="{FF2B5EF4-FFF2-40B4-BE49-F238E27FC236}">
-                <a16:creationId xmlns:a16="http://schemas.microsoft.com/office/drawing/2014/main" id="{FCC79202-31F2-7CBA-4898-D2FBEC217892}"/>
-              </a:ext>
-            </a:extLst>
-          </p:cNvPr>
+          <p:cNvPr id="6" name="Slide Number Placeholder 5"/>
           <p:cNvSpPr>
             <a:spLocks noGrp="1"/>
           </p:cNvSpPr>
@@ -937,7 +820,7 @@
     </p:spTree>
     <p:extLst>
       <p:ext uri="{BB962C8B-B14F-4D97-AF65-F5344CB8AC3E}">
-        <p14:creationId xmlns:p14="http://schemas.microsoft.com/office/powerpoint/2010/main" val="591461545"/>
+        <p14:creationId xmlns:p14="http://schemas.microsoft.com/office/powerpoint/2010/main" val="1519884371"/>
       </p:ext>
     </p:extLst>
   </p:cSld>
@@ -966,13 +849,7 @@
       </p:grpSpPr>
       <p:sp>
         <p:nvSpPr>
-          <p:cNvPr id="2" name="Title 1">
-            <a:extLst>
-              <a:ext uri="{FF2B5EF4-FFF2-40B4-BE49-F238E27FC236}">
-                <a16:creationId xmlns:a16="http://schemas.microsoft.com/office/drawing/2014/main" id="{D8C63897-AFAC-DE9B-1EA5-26BE045FAF88}"/>
-              </a:ext>
-            </a:extLst>
-          </p:cNvPr>
+          <p:cNvPr id="2" name="Title 1"/>
           <p:cNvSpPr>
             <a:spLocks noGrp="1"/>
           </p:cNvSpPr>
@@ -982,15 +859,15 @@
         </p:nvSpPr>
         <p:spPr>
           <a:xfrm>
-            <a:off x="831850" y="1709738"/>
-            <a:ext cx="10515600" cy="2852737"/>
+            <a:off x="467916" y="3039537"/>
+            <a:ext cx="5915025" cy="5071532"/>
           </a:xfrm>
         </p:spPr>
         <p:txBody>
           <a:bodyPr anchor="b"/>
           <a:lstStyle>
             <a:lvl1pPr>
-              <a:defRPr sz="6000"/>
+              <a:defRPr sz="4500"/>
             </a:lvl1pPr>
           </a:lstStyle>
           <a:p>
@@ -998,18 +875,13 @@
               <a:rPr lang="en-GB"/>
               <a:t>Click to edit Master title style</a:t>
             </a:r>
-          </a:p>
-        </p:txBody>
-      </p:sp>
-      <p:sp>
-        <p:nvSpPr>
-          <p:cNvPr id="3" name="Text Placeholder 2">
-            <a:extLst>
-              <a:ext uri="{FF2B5EF4-FFF2-40B4-BE49-F238E27FC236}">
-                <a16:creationId xmlns:a16="http://schemas.microsoft.com/office/drawing/2014/main" id="{69F4524C-8DFC-D0D0-7151-9963A405F4E4}"/>
-              </a:ext>
-            </a:extLst>
-          </p:cNvPr>
+            <a:endParaRPr lang="en-US" dirty="0"/>
+          </a:p>
+        </p:txBody>
+      </p:sp>
+      <p:sp>
+        <p:nvSpPr>
+          <p:cNvPr id="3" name="Text Placeholder 2"/>
           <p:cNvSpPr>
             <a:spLocks noGrp="1"/>
           </p:cNvSpPr>
@@ -1019,8 +891,8 @@
         </p:nvSpPr>
         <p:spPr>
           <a:xfrm>
-            <a:off x="831850" y="4589463"/>
-            <a:ext cx="10515600" cy="1500187"/>
+            <a:off x="467916" y="8159048"/>
+            <a:ext cx="5915025" cy="2666999"/>
           </a:xfrm>
         </p:spPr>
         <p:txBody>
@@ -1028,17 +900,15 @@
           <a:lstStyle>
             <a:lvl1pPr marL="0" indent="0">
               <a:buNone/>
-              <a:defRPr sz="2400">
+              <a:defRPr sz="1800">
                 <a:solidFill>
-                  <a:schemeClr val="tx1">
-                    <a:tint val="75000"/>
-                  </a:schemeClr>
+                  <a:schemeClr val="tx1"/>
                 </a:solidFill>
               </a:defRPr>
             </a:lvl1pPr>
-            <a:lvl2pPr marL="457200" indent="0">
-              <a:buNone/>
-              <a:defRPr sz="2000">
+            <a:lvl2pPr marL="342900" indent="0">
+              <a:buNone/>
+              <a:defRPr sz="1500">
                 <a:solidFill>
                   <a:schemeClr val="tx1">
                     <a:tint val="75000"/>
@@ -1046,9 +916,9 @@
                 </a:solidFill>
               </a:defRPr>
             </a:lvl2pPr>
-            <a:lvl3pPr marL="914400" indent="0">
-              <a:buNone/>
-              <a:defRPr sz="1800">
+            <a:lvl3pPr marL="685800" indent="0">
+              <a:buNone/>
+              <a:defRPr sz="1350">
                 <a:solidFill>
                   <a:schemeClr val="tx1">
                     <a:tint val="75000"/>
@@ -1056,9 +926,9 @@
                 </a:solidFill>
               </a:defRPr>
             </a:lvl3pPr>
-            <a:lvl4pPr marL="1371600" indent="0">
-              <a:buNone/>
-              <a:defRPr sz="1600">
+            <a:lvl4pPr marL="1028700" indent="0">
+              <a:buNone/>
+              <a:defRPr sz="1200">
                 <a:solidFill>
                   <a:schemeClr val="tx1">
                     <a:tint val="75000"/>
@@ -1066,9 +936,9 @@
                 </a:solidFill>
               </a:defRPr>
             </a:lvl4pPr>
-            <a:lvl5pPr marL="1828800" indent="0">
-              <a:buNone/>
-              <a:defRPr sz="1600">
+            <a:lvl5pPr marL="1371600" indent="0">
+              <a:buNone/>
+              <a:defRPr sz="1200">
                 <a:solidFill>
                   <a:schemeClr val="tx1">
                     <a:tint val="75000"/>
@@ -1076,9 +946,9 @@
                 </a:solidFill>
               </a:defRPr>
             </a:lvl5pPr>
-            <a:lvl6pPr marL="2286000" indent="0">
-              <a:buNone/>
-              <a:defRPr sz="1600">
+            <a:lvl6pPr marL="1714500" indent="0">
+              <a:buNone/>
+              <a:defRPr sz="1200">
                 <a:solidFill>
                   <a:schemeClr val="tx1">
                     <a:tint val="75000"/>
@@ -1086,9 +956,9 @@
                 </a:solidFill>
               </a:defRPr>
             </a:lvl6pPr>
-            <a:lvl7pPr marL="2743200" indent="0">
-              <a:buNone/>
-              <a:defRPr sz="1600">
+            <a:lvl7pPr marL="2057400" indent="0">
+              <a:buNone/>
+              <a:defRPr sz="1200">
                 <a:solidFill>
                   <a:schemeClr val="tx1">
                     <a:tint val="75000"/>
@@ -1096,9 +966,9 @@
                 </a:solidFill>
               </a:defRPr>
             </a:lvl7pPr>
-            <a:lvl8pPr marL="3200400" indent="0">
-              <a:buNone/>
-              <a:defRPr sz="1600">
+            <a:lvl8pPr marL="2400300" indent="0">
+              <a:buNone/>
+              <a:defRPr sz="1200">
                 <a:solidFill>
                   <a:schemeClr val="tx1">
                     <a:tint val="75000"/>
@@ -1106,9 +976,9 @@
                 </a:solidFill>
               </a:defRPr>
             </a:lvl8pPr>
-            <a:lvl9pPr marL="3657600" indent="0">
-              <a:buNone/>
-              <a:defRPr sz="1600">
+            <a:lvl9pPr marL="2743200" indent="0">
+              <a:buNone/>
+              <a:defRPr sz="1200">
                 <a:solidFill>
                   <a:schemeClr val="tx1">
                     <a:tint val="75000"/>
@@ -1128,13 +998,7 @@
       </p:sp>
       <p:sp>
         <p:nvSpPr>
-          <p:cNvPr id="4" name="Date Placeholder 3">
-            <a:extLst>
-              <a:ext uri="{FF2B5EF4-FFF2-40B4-BE49-F238E27FC236}">
-                <a16:creationId xmlns:a16="http://schemas.microsoft.com/office/drawing/2014/main" id="{8FEE4F3B-CA4D-68AE-5EE0-73A774A974E9}"/>
-              </a:ext>
-            </a:extLst>
-          </p:cNvPr>
+          <p:cNvPr id="4" name="Date Placeholder 3"/>
           <p:cNvSpPr>
             <a:spLocks noGrp="1"/>
           </p:cNvSpPr>
@@ -1157,13 +1021,7 @@
       </p:sp>
       <p:sp>
         <p:nvSpPr>
-          <p:cNvPr id="5" name="Footer Placeholder 4">
-            <a:extLst>
-              <a:ext uri="{FF2B5EF4-FFF2-40B4-BE49-F238E27FC236}">
-                <a16:creationId xmlns:a16="http://schemas.microsoft.com/office/drawing/2014/main" id="{D109E857-7A5C-630E-28F2-81C5C031F035}"/>
-              </a:ext>
-            </a:extLst>
-          </p:cNvPr>
+          <p:cNvPr id="5" name="Footer Placeholder 4"/>
           <p:cNvSpPr>
             <a:spLocks noGrp="1"/>
           </p:cNvSpPr>
@@ -1182,13 +1040,7 @@
       </p:sp>
       <p:sp>
         <p:nvSpPr>
-          <p:cNvPr id="6" name="Slide Number Placeholder 5">
-            <a:extLst>
-              <a:ext uri="{FF2B5EF4-FFF2-40B4-BE49-F238E27FC236}">
-                <a16:creationId xmlns:a16="http://schemas.microsoft.com/office/drawing/2014/main" id="{1F63F3C6-2DC9-AB13-8BD8-7876C3F670C7}"/>
-              </a:ext>
-            </a:extLst>
-          </p:cNvPr>
+          <p:cNvPr id="6" name="Slide Number Placeholder 5"/>
           <p:cNvSpPr>
             <a:spLocks noGrp="1"/>
           </p:cNvSpPr>
@@ -1212,7 +1064,7 @@
     </p:spTree>
     <p:extLst>
       <p:ext uri="{BB962C8B-B14F-4D97-AF65-F5344CB8AC3E}">
-        <p14:creationId xmlns:p14="http://schemas.microsoft.com/office/powerpoint/2010/main" val="4044983716"/>
+        <p14:creationId xmlns:p14="http://schemas.microsoft.com/office/powerpoint/2010/main" val="418580811"/>
       </p:ext>
     </p:extLst>
   </p:cSld>
@@ -1241,13 +1093,7 @@
       </p:grpSpPr>
       <p:sp>
         <p:nvSpPr>
-          <p:cNvPr id="2" name="Title 1">
-            <a:extLst>
-              <a:ext uri="{FF2B5EF4-FFF2-40B4-BE49-F238E27FC236}">
-                <a16:creationId xmlns:a16="http://schemas.microsoft.com/office/drawing/2014/main" id="{9A20F2DD-789C-B79B-C690-84EC00E18916}"/>
-              </a:ext>
-            </a:extLst>
-          </p:cNvPr>
+          <p:cNvPr id="2" name="Title 1"/>
           <p:cNvSpPr>
             <a:spLocks noGrp="1"/>
           </p:cNvSpPr>
@@ -1264,18 +1110,13 @@
               <a:rPr lang="en-GB"/>
               <a:t>Click to edit Master title style</a:t>
             </a:r>
-          </a:p>
-        </p:txBody>
-      </p:sp>
-      <p:sp>
-        <p:nvSpPr>
-          <p:cNvPr id="3" name="Content Placeholder 2">
-            <a:extLst>
-              <a:ext uri="{FF2B5EF4-FFF2-40B4-BE49-F238E27FC236}">
-                <a16:creationId xmlns:a16="http://schemas.microsoft.com/office/drawing/2014/main" id="{F8BBD75F-9B03-C92E-DF67-465B0D4A5624}"/>
-              </a:ext>
-            </a:extLst>
-          </p:cNvPr>
+            <a:endParaRPr lang="en-US" dirty="0"/>
+          </a:p>
+        </p:txBody>
+      </p:sp>
+      <p:sp>
+        <p:nvSpPr>
+          <p:cNvPr id="3" name="Content Placeholder 2"/>
           <p:cNvSpPr>
             <a:spLocks noGrp="1"/>
           </p:cNvSpPr>
@@ -1285,8 +1126,8 @@
         </p:nvSpPr>
         <p:spPr>
           <a:xfrm>
-            <a:off x="838200" y="1825625"/>
-            <a:ext cx="5181600" cy="4351338"/>
+            <a:off x="471488" y="3245556"/>
+            <a:ext cx="2914650" cy="7735712"/>
           </a:xfrm>
         </p:spPr>
         <p:txBody>
@@ -1326,18 +1167,13 @@
               <a:rPr lang="en-GB"/>
               <a:t>Fifth level</a:t>
             </a:r>
-          </a:p>
-        </p:txBody>
-      </p:sp>
-      <p:sp>
-        <p:nvSpPr>
-          <p:cNvPr id="4" name="Content Placeholder 3">
-            <a:extLst>
-              <a:ext uri="{FF2B5EF4-FFF2-40B4-BE49-F238E27FC236}">
-                <a16:creationId xmlns:a16="http://schemas.microsoft.com/office/drawing/2014/main" id="{3396F80C-8E10-F4DB-36C7-C1A5846CAD9B}"/>
-              </a:ext>
-            </a:extLst>
-          </p:cNvPr>
+            <a:endParaRPr lang="en-US" dirty="0"/>
+          </a:p>
+        </p:txBody>
+      </p:sp>
+      <p:sp>
+        <p:nvSpPr>
+          <p:cNvPr id="4" name="Content Placeholder 3"/>
           <p:cNvSpPr>
             <a:spLocks noGrp="1"/>
           </p:cNvSpPr>
@@ -1347,8 +1183,8 @@
         </p:nvSpPr>
         <p:spPr>
           <a:xfrm>
-            <a:off x="6172200" y="1825625"/>
-            <a:ext cx="5181600" cy="4351338"/>
+            <a:off x="3471863" y="3245556"/>
+            <a:ext cx="2914650" cy="7735712"/>
           </a:xfrm>
         </p:spPr>
         <p:txBody>
@@ -1388,18 +1224,13 @@
               <a:rPr lang="en-GB"/>
               <a:t>Fifth level</a:t>
             </a:r>
-          </a:p>
-        </p:txBody>
-      </p:sp>
-      <p:sp>
-        <p:nvSpPr>
-          <p:cNvPr id="5" name="Date Placeholder 4">
-            <a:extLst>
-              <a:ext uri="{FF2B5EF4-FFF2-40B4-BE49-F238E27FC236}">
-                <a16:creationId xmlns:a16="http://schemas.microsoft.com/office/drawing/2014/main" id="{F21BB266-6165-D683-0EC7-9F72C411DA5A}"/>
-              </a:ext>
-            </a:extLst>
-          </p:cNvPr>
+            <a:endParaRPr lang="en-US" dirty="0"/>
+          </a:p>
+        </p:txBody>
+      </p:sp>
+      <p:sp>
+        <p:nvSpPr>
+          <p:cNvPr id="5" name="Date Placeholder 4"/>
           <p:cNvSpPr>
             <a:spLocks noGrp="1"/>
           </p:cNvSpPr>
@@ -1422,13 +1253,7 @@
       </p:sp>
       <p:sp>
         <p:nvSpPr>
-          <p:cNvPr id="6" name="Footer Placeholder 5">
-            <a:extLst>
-              <a:ext uri="{FF2B5EF4-FFF2-40B4-BE49-F238E27FC236}">
-                <a16:creationId xmlns:a16="http://schemas.microsoft.com/office/drawing/2014/main" id="{10AC6708-EED5-EBF7-3FC5-38462FDADE38}"/>
-              </a:ext>
-            </a:extLst>
-          </p:cNvPr>
+          <p:cNvPr id="6" name="Footer Placeholder 5"/>
           <p:cNvSpPr>
             <a:spLocks noGrp="1"/>
           </p:cNvSpPr>
@@ -1447,13 +1272,7 @@
       </p:sp>
       <p:sp>
         <p:nvSpPr>
-          <p:cNvPr id="7" name="Slide Number Placeholder 6">
-            <a:extLst>
-              <a:ext uri="{FF2B5EF4-FFF2-40B4-BE49-F238E27FC236}">
-                <a16:creationId xmlns:a16="http://schemas.microsoft.com/office/drawing/2014/main" id="{DEFFDDB4-96FB-DFF5-A6AA-E582825B2312}"/>
-              </a:ext>
-            </a:extLst>
-          </p:cNvPr>
+          <p:cNvPr id="7" name="Slide Number Placeholder 6"/>
           <p:cNvSpPr>
             <a:spLocks noGrp="1"/>
           </p:cNvSpPr>
@@ -1477,7 +1296,7 @@
     </p:spTree>
     <p:extLst>
       <p:ext uri="{BB962C8B-B14F-4D97-AF65-F5344CB8AC3E}">
-        <p14:creationId xmlns:p14="http://schemas.microsoft.com/office/powerpoint/2010/main" val="2256867963"/>
+        <p14:creationId xmlns:p14="http://schemas.microsoft.com/office/powerpoint/2010/main" val="2296958787"/>
       </p:ext>
     </p:extLst>
   </p:cSld>
@@ -1506,13 +1325,7 @@
       </p:grpSpPr>
       <p:sp>
         <p:nvSpPr>
-          <p:cNvPr id="2" name="Title 1">
-            <a:extLst>
-              <a:ext uri="{FF2B5EF4-FFF2-40B4-BE49-F238E27FC236}">
-                <a16:creationId xmlns:a16="http://schemas.microsoft.com/office/drawing/2014/main" id="{B114A6AF-381D-9B7C-1FA4-0B920C1ED7E4}"/>
-              </a:ext>
-            </a:extLst>
-          </p:cNvPr>
+          <p:cNvPr id="2" name="Title 1"/>
           <p:cNvSpPr>
             <a:spLocks noGrp="1"/>
           </p:cNvSpPr>
@@ -1522,8 +1335,8 @@
         </p:nvSpPr>
         <p:spPr>
           <a:xfrm>
-            <a:off x="839788" y="365125"/>
-            <a:ext cx="10515600" cy="1325563"/>
+            <a:off x="472381" y="649114"/>
+            <a:ext cx="5915025" cy="2356556"/>
           </a:xfrm>
         </p:spPr>
         <p:txBody>
@@ -1534,18 +1347,13 @@
               <a:rPr lang="en-GB"/>
               <a:t>Click to edit Master title style</a:t>
             </a:r>
-          </a:p>
-        </p:txBody>
-      </p:sp>
-      <p:sp>
-        <p:nvSpPr>
-          <p:cNvPr id="3" name="Text Placeholder 2">
-            <a:extLst>
-              <a:ext uri="{FF2B5EF4-FFF2-40B4-BE49-F238E27FC236}">
-                <a16:creationId xmlns:a16="http://schemas.microsoft.com/office/drawing/2014/main" id="{94977596-E06F-3ADC-FE57-CD167FB639A6}"/>
-              </a:ext>
-            </a:extLst>
-          </p:cNvPr>
+            <a:endParaRPr lang="en-US" dirty="0"/>
+          </a:p>
+        </p:txBody>
+      </p:sp>
+      <p:sp>
+        <p:nvSpPr>
+          <p:cNvPr id="3" name="Text Placeholder 2"/>
           <p:cNvSpPr>
             <a:spLocks noGrp="1"/>
           </p:cNvSpPr>
@@ -1555,8 +1363,8 @@
         </p:nvSpPr>
         <p:spPr>
           <a:xfrm>
-            <a:off x="839788" y="1681163"/>
-            <a:ext cx="5157787" cy="823912"/>
+            <a:off x="472381" y="2988734"/>
+            <a:ext cx="2901255" cy="1464732"/>
           </a:xfrm>
         </p:spPr>
         <p:txBody>
@@ -1564,39 +1372,39 @@
           <a:lstStyle>
             <a:lvl1pPr marL="0" indent="0">
               <a:buNone/>
-              <a:defRPr sz="2400" b="1"/>
+              <a:defRPr sz="1800" b="1"/>
             </a:lvl1pPr>
-            <a:lvl2pPr marL="457200" indent="0">
-              <a:buNone/>
-              <a:defRPr sz="2000" b="1"/>
+            <a:lvl2pPr marL="342900" indent="0">
+              <a:buNone/>
+              <a:defRPr sz="1500" b="1"/>
             </a:lvl2pPr>
-            <a:lvl3pPr marL="914400" indent="0">
-              <a:buNone/>
-              <a:defRPr sz="1800" b="1"/>
+            <a:lvl3pPr marL="685800" indent="0">
+              <a:buNone/>
+              <a:defRPr sz="1350" b="1"/>
             </a:lvl3pPr>
-            <a:lvl4pPr marL="1371600" indent="0">
-              <a:buNone/>
-              <a:defRPr sz="1600" b="1"/>
+            <a:lvl4pPr marL="1028700" indent="0">
+              <a:buNone/>
+              <a:defRPr sz="1200" b="1"/>
             </a:lvl4pPr>
-            <a:lvl5pPr marL="1828800" indent="0">
-              <a:buNone/>
-              <a:defRPr sz="1600" b="1"/>
+            <a:lvl5pPr marL="1371600" indent="0">
+              <a:buNone/>
+              <a:defRPr sz="1200" b="1"/>
             </a:lvl5pPr>
-            <a:lvl6pPr marL="2286000" indent="0">
-              <a:buNone/>
-              <a:defRPr sz="1600" b="1"/>
+            <a:lvl6pPr marL="1714500" indent="0">
+              <a:buNone/>
+              <a:defRPr sz="1200" b="1"/>
             </a:lvl6pPr>
-            <a:lvl7pPr marL="2743200" indent="0">
-              <a:buNone/>
-              <a:defRPr sz="1600" b="1"/>
+            <a:lvl7pPr marL="2057400" indent="0">
+              <a:buNone/>
+              <a:defRPr sz="1200" b="1"/>
             </a:lvl7pPr>
-            <a:lvl8pPr marL="3200400" indent="0">
-              <a:buNone/>
-              <a:defRPr sz="1600" b="1"/>
+            <a:lvl8pPr marL="2400300" indent="0">
+              <a:buNone/>
+              <a:defRPr sz="1200" b="1"/>
             </a:lvl8pPr>
-            <a:lvl9pPr marL="3657600" indent="0">
-              <a:buNone/>
-              <a:defRPr sz="1600" b="1"/>
+            <a:lvl9pPr marL="2743200" indent="0">
+              <a:buNone/>
+              <a:defRPr sz="1200" b="1"/>
             </a:lvl9pPr>
           </a:lstStyle>
           <a:p>
@@ -1610,13 +1418,7 @@
       </p:sp>
       <p:sp>
         <p:nvSpPr>
-          <p:cNvPr id="4" name="Content Placeholder 3">
-            <a:extLst>
-              <a:ext uri="{FF2B5EF4-FFF2-40B4-BE49-F238E27FC236}">
-                <a16:creationId xmlns:a16="http://schemas.microsoft.com/office/drawing/2014/main" id="{F467E305-29A0-1E13-710F-609D62EB4AB6}"/>
-              </a:ext>
-            </a:extLst>
-          </p:cNvPr>
+          <p:cNvPr id="4" name="Content Placeholder 3"/>
           <p:cNvSpPr>
             <a:spLocks noGrp="1"/>
           </p:cNvSpPr>
@@ -1626,8 +1428,8 @@
         </p:nvSpPr>
         <p:spPr>
           <a:xfrm>
-            <a:off x="839788" y="2505075"/>
-            <a:ext cx="5157787" cy="3684588"/>
+            <a:off x="472381" y="4453467"/>
+            <a:ext cx="2901255" cy="6550379"/>
           </a:xfrm>
         </p:spPr>
         <p:txBody>
@@ -1667,18 +1469,13 @@
               <a:rPr lang="en-GB"/>
               <a:t>Fifth level</a:t>
             </a:r>
-          </a:p>
-        </p:txBody>
-      </p:sp>
-      <p:sp>
-        <p:nvSpPr>
-          <p:cNvPr id="5" name="Text Placeholder 4">
-            <a:extLst>
-              <a:ext uri="{FF2B5EF4-FFF2-40B4-BE49-F238E27FC236}">
-                <a16:creationId xmlns:a16="http://schemas.microsoft.com/office/drawing/2014/main" id="{9A72DCC9-C7B2-9298-11FB-9D7514EA5D37}"/>
-              </a:ext>
-            </a:extLst>
-          </p:cNvPr>
+            <a:endParaRPr lang="en-US" dirty="0"/>
+          </a:p>
+        </p:txBody>
+      </p:sp>
+      <p:sp>
+        <p:nvSpPr>
+          <p:cNvPr id="5" name="Text Placeholder 4"/>
           <p:cNvSpPr>
             <a:spLocks noGrp="1"/>
           </p:cNvSpPr>
@@ -1688,8 +1485,8 @@
         </p:nvSpPr>
         <p:spPr>
           <a:xfrm>
-            <a:off x="6172200" y="1681163"/>
-            <a:ext cx="5183188" cy="823912"/>
+            <a:off x="3471863" y="2988734"/>
+            <a:ext cx="2915543" cy="1464732"/>
           </a:xfrm>
         </p:spPr>
         <p:txBody>
@@ -1697,39 +1494,39 @@
           <a:lstStyle>
             <a:lvl1pPr marL="0" indent="0">
               <a:buNone/>
-              <a:defRPr sz="2400" b="1"/>
+              <a:defRPr sz="1800" b="1"/>
             </a:lvl1pPr>
-            <a:lvl2pPr marL="457200" indent="0">
-              <a:buNone/>
-              <a:defRPr sz="2000" b="1"/>
+            <a:lvl2pPr marL="342900" indent="0">
+              <a:buNone/>
+              <a:defRPr sz="1500" b="1"/>
             </a:lvl2pPr>
-            <a:lvl3pPr marL="914400" indent="0">
-              <a:buNone/>
-              <a:defRPr sz="1800" b="1"/>
+            <a:lvl3pPr marL="685800" indent="0">
+              <a:buNone/>
+              <a:defRPr sz="1350" b="1"/>
             </a:lvl3pPr>
-            <a:lvl4pPr marL="1371600" indent="0">
-              <a:buNone/>
-              <a:defRPr sz="1600" b="1"/>
+            <a:lvl4pPr marL="1028700" indent="0">
+              <a:buNone/>
+              <a:defRPr sz="1200" b="1"/>
             </a:lvl4pPr>
-            <a:lvl5pPr marL="1828800" indent="0">
-              <a:buNone/>
-              <a:defRPr sz="1600" b="1"/>
+            <a:lvl5pPr marL="1371600" indent="0">
+              <a:buNone/>
+              <a:defRPr sz="1200" b="1"/>
             </a:lvl5pPr>
-            <a:lvl6pPr marL="2286000" indent="0">
-              <a:buNone/>
-              <a:defRPr sz="1600" b="1"/>
+            <a:lvl6pPr marL="1714500" indent="0">
+              <a:buNone/>
+              <a:defRPr sz="1200" b="1"/>
             </a:lvl6pPr>
-            <a:lvl7pPr marL="2743200" indent="0">
-              <a:buNone/>
-              <a:defRPr sz="1600" b="1"/>
+            <a:lvl7pPr marL="2057400" indent="0">
+              <a:buNone/>
+              <a:defRPr sz="1200" b="1"/>
             </a:lvl7pPr>
-            <a:lvl8pPr marL="3200400" indent="0">
-              <a:buNone/>
-              <a:defRPr sz="1600" b="1"/>
+            <a:lvl8pPr marL="2400300" indent="0">
+              <a:buNone/>
+              <a:defRPr sz="1200" b="1"/>
             </a:lvl8pPr>
-            <a:lvl9pPr marL="3657600" indent="0">
-              <a:buNone/>
-              <a:defRPr sz="1600" b="1"/>
+            <a:lvl9pPr marL="2743200" indent="0">
+              <a:buNone/>
+              <a:defRPr sz="1200" b="1"/>
             </a:lvl9pPr>
           </a:lstStyle>
           <a:p>
@@ -1743,13 +1540,7 @@
       </p:sp>
       <p:sp>
         <p:nvSpPr>
-          <p:cNvPr id="6" name="Content Placeholder 5">
-            <a:extLst>
-              <a:ext uri="{FF2B5EF4-FFF2-40B4-BE49-F238E27FC236}">
-                <a16:creationId xmlns:a16="http://schemas.microsoft.com/office/drawing/2014/main" id="{3C0FDBA1-5BA5-4435-5F1E-990F7B1B4E71}"/>
-              </a:ext>
-            </a:extLst>
-          </p:cNvPr>
+          <p:cNvPr id="6" name="Content Placeholder 5"/>
           <p:cNvSpPr>
             <a:spLocks noGrp="1"/>
           </p:cNvSpPr>
@@ -1759,8 +1550,8 @@
         </p:nvSpPr>
         <p:spPr>
           <a:xfrm>
-            <a:off x="6172200" y="2505075"/>
-            <a:ext cx="5183188" cy="3684588"/>
+            <a:off x="3471863" y="4453467"/>
+            <a:ext cx="2915543" cy="6550379"/>
           </a:xfrm>
         </p:spPr>
         <p:txBody>
@@ -1800,18 +1591,13 @@
               <a:rPr lang="en-GB"/>
               <a:t>Fifth level</a:t>
             </a:r>
-          </a:p>
-        </p:txBody>
-      </p:sp>
-      <p:sp>
-        <p:nvSpPr>
-          <p:cNvPr id="7" name="Date Placeholder 6">
-            <a:extLst>
-              <a:ext uri="{FF2B5EF4-FFF2-40B4-BE49-F238E27FC236}">
-                <a16:creationId xmlns:a16="http://schemas.microsoft.com/office/drawing/2014/main" id="{3266DE6A-381A-87D4-8623-BC56948C1CC6}"/>
-              </a:ext>
-            </a:extLst>
-          </p:cNvPr>
+            <a:endParaRPr lang="en-US" dirty="0"/>
+          </a:p>
+        </p:txBody>
+      </p:sp>
+      <p:sp>
+        <p:nvSpPr>
+          <p:cNvPr id="7" name="Date Placeholder 6"/>
           <p:cNvSpPr>
             <a:spLocks noGrp="1"/>
           </p:cNvSpPr>
@@ -1834,13 +1620,7 @@
       </p:sp>
       <p:sp>
         <p:nvSpPr>
-          <p:cNvPr id="8" name="Footer Placeholder 7">
-            <a:extLst>
-              <a:ext uri="{FF2B5EF4-FFF2-40B4-BE49-F238E27FC236}">
-                <a16:creationId xmlns:a16="http://schemas.microsoft.com/office/drawing/2014/main" id="{5C8640E8-B031-8595-E695-9D08620E3570}"/>
-              </a:ext>
-            </a:extLst>
-          </p:cNvPr>
+          <p:cNvPr id="8" name="Footer Placeholder 7"/>
           <p:cNvSpPr>
             <a:spLocks noGrp="1"/>
           </p:cNvSpPr>
@@ -1859,13 +1639,7 @@
       </p:sp>
       <p:sp>
         <p:nvSpPr>
-          <p:cNvPr id="9" name="Slide Number Placeholder 8">
-            <a:extLst>
-              <a:ext uri="{FF2B5EF4-FFF2-40B4-BE49-F238E27FC236}">
-                <a16:creationId xmlns:a16="http://schemas.microsoft.com/office/drawing/2014/main" id="{8F8BEC51-788E-FB5C-4F4E-7CAF8860F36E}"/>
-              </a:ext>
-            </a:extLst>
-          </p:cNvPr>
+          <p:cNvPr id="9" name="Slide Number Placeholder 8"/>
           <p:cNvSpPr>
             <a:spLocks noGrp="1"/>
           </p:cNvSpPr>
@@ -1889,7 +1663,7 @@
     </p:spTree>
     <p:extLst>
       <p:ext uri="{BB962C8B-B14F-4D97-AF65-F5344CB8AC3E}">
-        <p14:creationId xmlns:p14="http://schemas.microsoft.com/office/powerpoint/2010/main" val="2409926686"/>
+        <p14:creationId xmlns:p14="http://schemas.microsoft.com/office/powerpoint/2010/main" val="3196782205"/>
       </p:ext>
     </p:extLst>
   </p:cSld>
@@ -1918,13 +1692,7 @@
       </p:grpSpPr>
       <p:sp>
         <p:nvSpPr>
-          <p:cNvPr id="2" name="Title 1">
-            <a:extLst>
-              <a:ext uri="{FF2B5EF4-FFF2-40B4-BE49-F238E27FC236}">
-                <a16:creationId xmlns:a16="http://schemas.microsoft.com/office/drawing/2014/main" id="{3C46EC9C-D491-9EE7-FF8C-EF49737DE4BF}"/>
-              </a:ext>
-            </a:extLst>
-          </p:cNvPr>
+          <p:cNvPr id="2" name="Title 1"/>
           <p:cNvSpPr>
             <a:spLocks noGrp="1"/>
           </p:cNvSpPr>
@@ -1941,18 +1709,13 @@
               <a:rPr lang="en-GB"/>
               <a:t>Click to edit Master title style</a:t>
             </a:r>
-          </a:p>
-        </p:txBody>
-      </p:sp>
-      <p:sp>
-        <p:nvSpPr>
-          <p:cNvPr id="3" name="Date Placeholder 2">
-            <a:extLst>
-              <a:ext uri="{FF2B5EF4-FFF2-40B4-BE49-F238E27FC236}">
-                <a16:creationId xmlns:a16="http://schemas.microsoft.com/office/drawing/2014/main" id="{C7E6F478-CD94-86EB-C96D-949120FFB9B6}"/>
-              </a:ext>
-            </a:extLst>
-          </p:cNvPr>
+            <a:endParaRPr lang="en-US" dirty="0"/>
+          </a:p>
+        </p:txBody>
+      </p:sp>
+      <p:sp>
+        <p:nvSpPr>
+          <p:cNvPr id="3" name="Date Placeholder 2"/>
           <p:cNvSpPr>
             <a:spLocks noGrp="1"/>
           </p:cNvSpPr>
@@ -1975,13 +1738,7 @@
       </p:sp>
       <p:sp>
         <p:nvSpPr>
-          <p:cNvPr id="4" name="Footer Placeholder 3">
-            <a:extLst>
-              <a:ext uri="{FF2B5EF4-FFF2-40B4-BE49-F238E27FC236}">
-                <a16:creationId xmlns:a16="http://schemas.microsoft.com/office/drawing/2014/main" id="{009C6863-EFD8-63D9-A07B-EA0730DB7AEB}"/>
-              </a:ext>
-            </a:extLst>
-          </p:cNvPr>
+          <p:cNvPr id="4" name="Footer Placeholder 3"/>
           <p:cNvSpPr>
             <a:spLocks noGrp="1"/>
           </p:cNvSpPr>
@@ -2000,13 +1757,7 @@
       </p:sp>
       <p:sp>
         <p:nvSpPr>
-          <p:cNvPr id="5" name="Slide Number Placeholder 4">
-            <a:extLst>
-              <a:ext uri="{FF2B5EF4-FFF2-40B4-BE49-F238E27FC236}">
-                <a16:creationId xmlns:a16="http://schemas.microsoft.com/office/drawing/2014/main" id="{C9DAADCC-3C32-4316-BC90-D6EACFAF63D6}"/>
-              </a:ext>
-            </a:extLst>
-          </p:cNvPr>
+          <p:cNvPr id="5" name="Slide Number Placeholder 4"/>
           <p:cNvSpPr>
             <a:spLocks noGrp="1"/>
           </p:cNvSpPr>
@@ -2030,7 +1781,7 @@
     </p:spTree>
     <p:extLst>
       <p:ext uri="{BB962C8B-B14F-4D97-AF65-F5344CB8AC3E}">
-        <p14:creationId xmlns:p14="http://schemas.microsoft.com/office/powerpoint/2010/main" val="1495947101"/>
+        <p14:creationId xmlns:p14="http://schemas.microsoft.com/office/powerpoint/2010/main" val="1488060063"/>
       </p:ext>
     </p:extLst>
   </p:cSld>
@@ -2059,13 +1810,7 @@
       </p:grpSpPr>
       <p:sp>
         <p:nvSpPr>
-          <p:cNvPr id="2" name="Date Placeholder 1">
-            <a:extLst>
-              <a:ext uri="{FF2B5EF4-FFF2-40B4-BE49-F238E27FC236}">
-                <a16:creationId xmlns:a16="http://schemas.microsoft.com/office/drawing/2014/main" id="{F859EFA4-A652-6E21-74F9-93987820A143}"/>
-              </a:ext>
-            </a:extLst>
-          </p:cNvPr>
+          <p:cNvPr id="2" name="Date Placeholder 1"/>
           <p:cNvSpPr>
             <a:spLocks noGrp="1"/>
           </p:cNvSpPr>
@@ -2088,13 +1833,7 @@
       </p:sp>
       <p:sp>
         <p:nvSpPr>
-          <p:cNvPr id="3" name="Footer Placeholder 2">
-            <a:extLst>
-              <a:ext uri="{FF2B5EF4-FFF2-40B4-BE49-F238E27FC236}">
-                <a16:creationId xmlns:a16="http://schemas.microsoft.com/office/drawing/2014/main" id="{5EAAF0E8-4A4F-E36F-AC7F-07102AB08F3C}"/>
-              </a:ext>
-            </a:extLst>
-          </p:cNvPr>
+          <p:cNvPr id="3" name="Footer Placeholder 2"/>
           <p:cNvSpPr>
             <a:spLocks noGrp="1"/>
           </p:cNvSpPr>
@@ -2113,13 +1852,7 @@
       </p:sp>
       <p:sp>
         <p:nvSpPr>
-          <p:cNvPr id="4" name="Slide Number Placeholder 3">
-            <a:extLst>
-              <a:ext uri="{FF2B5EF4-FFF2-40B4-BE49-F238E27FC236}">
-                <a16:creationId xmlns:a16="http://schemas.microsoft.com/office/drawing/2014/main" id="{7CE2BB53-E9F2-0E6B-58A0-D0E212C2C8FE}"/>
-              </a:ext>
-            </a:extLst>
-          </p:cNvPr>
+          <p:cNvPr id="4" name="Slide Number Placeholder 3"/>
           <p:cNvSpPr>
             <a:spLocks noGrp="1"/>
           </p:cNvSpPr>
@@ -2143,7 +1876,7 @@
     </p:spTree>
     <p:extLst>
       <p:ext uri="{BB962C8B-B14F-4D97-AF65-F5344CB8AC3E}">
-        <p14:creationId xmlns:p14="http://schemas.microsoft.com/office/powerpoint/2010/main" val="3502421488"/>
+        <p14:creationId xmlns:p14="http://schemas.microsoft.com/office/powerpoint/2010/main" val="2604992042"/>
       </p:ext>
     </p:extLst>
   </p:cSld>
@@ -2172,13 +1905,7 @@
       </p:grpSpPr>
       <p:sp>
         <p:nvSpPr>
-          <p:cNvPr id="2" name="Title 1">
-            <a:extLst>
-              <a:ext uri="{FF2B5EF4-FFF2-40B4-BE49-F238E27FC236}">
-                <a16:creationId xmlns:a16="http://schemas.microsoft.com/office/drawing/2014/main" id="{87167476-54B0-A044-2ED9-B4DA6ED1ADDA}"/>
-              </a:ext>
-            </a:extLst>
-          </p:cNvPr>
+          <p:cNvPr id="2" name="Title 1"/>
           <p:cNvSpPr>
             <a:spLocks noGrp="1"/>
           </p:cNvSpPr>
@@ -2188,15 +1915,15 @@
         </p:nvSpPr>
         <p:spPr>
           <a:xfrm>
-            <a:off x="839788" y="457200"/>
-            <a:ext cx="3932237" cy="1600200"/>
+            <a:off x="472381" y="812800"/>
+            <a:ext cx="2211884" cy="2844800"/>
           </a:xfrm>
         </p:spPr>
         <p:txBody>
           <a:bodyPr anchor="b"/>
           <a:lstStyle>
             <a:lvl1pPr>
-              <a:defRPr sz="3200"/>
+              <a:defRPr sz="2400"/>
             </a:lvl1pPr>
           </a:lstStyle>
           <a:p>
@@ -2204,18 +1931,13 @@
               <a:rPr lang="en-GB"/>
               <a:t>Click to edit Master title style</a:t>
             </a:r>
-          </a:p>
-        </p:txBody>
-      </p:sp>
-      <p:sp>
-        <p:nvSpPr>
-          <p:cNvPr id="3" name="Content Placeholder 2">
-            <a:extLst>
-              <a:ext uri="{FF2B5EF4-FFF2-40B4-BE49-F238E27FC236}">
-                <a16:creationId xmlns:a16="http://schemas.microsoft.com/office/drawing/2014/main" id="{9621138B-9386-D540-9635-1F8537981501}"/>
-              </a:ext>
-            </a:extLst>
-          </p:cNvPr>
+            <a:endParaRPr lang="en-US" dirty="0"/>
+          </a:p>
+        </p:txBody>
+      </p:sp>
+      <p:sp>
+        <p:nvSpPr>
+          <p:cNvPr id="3" name="Content Placeholder 2"/>
           <p:cNvSpPr>
             <a:spLocks noGrp="1"/>
           </p:cNvSpPr>
@@ -2225,39 +1947,39 @@
         </p:nvSpPr>
         <p:spPr>
           <a:xfrm>
-            <a:off x="5183188" y="987425"/>
-            <a:ext cx="6172200" cy="4873625"/>
+            <a:off x="2915543" y="1755425"/>
+            <a:ext cx="3471863" cy="8664222"/>
           </a:xfrm>
         </p:spPr>
         <p:txBody>
           <a:bodyPr/>
           <a:lstStyle>
             <a:lvl1pPr>
-              <a:defRPr sz="3200"/>
+              <a:defRPr sz="2400"/>
             </a:lvl1pPr>
             <a:lvl2pPr>
-              <a:defRPr sz="2800"/>
+              <a:defRPr sz="2100"/>
             </a:lvl2pPr>
             <a:lvl3pPr>
-              <a:defRPr sz="2400"/>
+              <a:defRPr sz="1800"/>
             </a:lvl3pPr>
             <a:lvl4pPr>
-              <a:defRPr sz="2000"/>
+              <a:defRPr sz="1500"/>
             </a:lvl4pPr>
             <a:lvl5pPr>
-              <a:defRPr sz="2000"/>
+              <a:defRPr sz="1500"/>
             </a:lvl5pPr>
             <a:lvl6pPr>
-              <a:defRPr sz="2000"/>
+              <a:defRPr sz="1500"/>
             </a:lvl6pPr>
             <a:lvl7pPr>
-              <a:defRPr sz="2000"/>
+              <a:defRPr sz="1500"/>
             </a:lvl7pPr>
             <a:lvl8pPr>
-              <a:defRPr sz="2000"/>
+              <a:defRPr sz="1500"/>
             </a:lvl8pPr>
             <a:lvl9pPr>
-              <a:defRPr sz="2000"/>
+              <a:defRPr sz="1500"/>
             </a:lvl9pPr>
           </a:lstStyle>
           <a:p>
@@ -2294,18 +2016,13 @@
               <a:rPr lang="en-GB"/>
               <a:t>Fifth level</a:t>
             </a:r>
-          </a:p>
-        </p:txBody>
-      </p:sp>
-      <p:sp>
-        <p:nvSpPr>
-          <p:cNvPr id="4" name="Text Placeholder 3">
-            <a:extLst>
-              <a:ext uri="{FF2B5EF4-FFF2-40B4-BE49-F238E27FC236}">
-                <a16:creationId xmlns:a16="http://schemas.microsoft.com/office/drawing/2014/main" id="{5577DE35-8A48-AC6B-EF60-6BCC40E4247E}"/>
-              </a:ext>
-            </a:extLst>
-          </p:cNvPr>
+            <a:endParaRPr lang="en-US" dirty="0"/>
+          </a:p>
+        </p:txBody>
+      </p:sp>
+      <p:sp>
+        <p:nvSpPr>
+          <p:cNvPr id="4" name="Text Placeholder 3"/>
           <p:cNvSpPr>
             <a:spLocks noGrp="1"/>
           </p:cNvSpPr>
@@ -2315,8 +2032,8 @@
         </p:nvSpPr>
         <p:spPr>
           <a:xfrm>
-            <a:off x="839788" y="2057400"/>
-            <a:ext cx="3932237" cy="3811588"/>
+            <a:off x="472381" y="3657600"/>
+            <a:ext cx="2211884" cy="6776156"/>
           </a:xfrm>
         </p:spPr>
         <p:txBody>
@@ -2324,39 +2041,39 @@
           <a:lstStyle>
             <a:lvl1pPr marL="0" indent="0">
               <a:buNone/>
-              <a:defRPr sz="1600"/>
+              <a:defRPr sz="1200"/>
             </a:lvl1pPr>
-            <a:lvl2pPr marL="457200" indent="0">
-              <a:buNone/>
-              <a:defRPr sz="1400"/>
+            <a:lvl2pPr marL="342900" indent="0">
+              <a:buNone/>
+              <a:defRPr sz="1050"/>
             </a:lvl2pPr>
-            <a:lvl3pPr marL="914400" indent="0">
-              <a:buNone/>
-              <a:defRPr sz="1200"/>
+            <a:lvl3pPr marL="685800" indent="0">
+              <a:buNone/>
+              <a:defRPr sz="900"/>
             </a:lvl3pPr>
-            <a:lvl4pPr marL="1371600" indent="0">
-              <a:buNone/>
-              <a:defRPr sz="1000"/>
+            <a:lvl4pPr marL="1028700" indent="0">
+              <a:buNone/>
+              <a:defRPr sz="750"/>
             </a:lvl4pPr>
-            <a:lvl5pPr marL="1828800" indent="0">
-              <a:buNone/>
-              <a:defRPr sz="1000"/>
+            <a:lvl5pPr marL="1371600" indent="0">
+              <a:buNone/>
+              <a:defRPr sz="750"/>
             </a:lvl5pPr>
-            <a:lvl6pPr marL="2286000" indent="0">
-              <a:buNone/>
-              <a:defRPr sz="1000"/>
+            <a:lvl6pPr marL="1714500" indent="0">
+              <a:buNone/>
+              <a:defRPr sz="750"/>
             </a:lvl6pPr>
-            <a:lvl7pPr marL="2743200" indent="0">
-              <a:buNone/>
-              <a:defRPr sz="1000"/>
+            <a:lvl7pPr marL="2057400" indent="0">
+              <a:buNone/>
+              <a:defRPr sz="750"/>
             </a:lvl7pPr>
-            <a:lvl8pPr marL="3200400" indent="0">
-              <a:buNone/>
-              <a:defRPr sz="1000"/>
+            <a:lvl8pPr marL="2400300" indent="0">
+              <a:buNone/>
+              <a:defRPr sz="750"/>
             </a:lvl8pPr>
-            <a:lvl9pPr marL="3657600" indent="0">
-              <a:buNone/>
-              <a:defRPr sz="1000"/>
+            <a:lvl9pPr marL="2743200" indent="0">
+              <a:buNone/>
+              <a:defRPr sz="750"/>
             </a:lvl9pPr>
           </a:lstStyle>
           <a:p>
@@ -2370,13 +2087,7 @@
       </p:sp>
       <p:sp>
         <p:nvSpPr>
-          <p:cNvPr id="5" name="Date Placeholder 4">
-            <a:extLst>
-              <a:ext uri="{FF2B5EF4-FFF2-40B4-BE49-F238E27FC236}">
-                <a16:creationId xmlns:a16="http://schemas.microsoft.com/office/drawing/2014/main" id="{5F8C1B0F-C532-242F-1739-7044C24E4052}"/>
-              </a:ext>
-            </a:extLst>
-          </p:cNvPr>
+          <p:cNvPr id="5" name="Date Placeholder 4"/>
           <p:cNvSpPr>
             <a:spLocks noGrp="1"/>
           </p:cNvSpPr>
@@ -2399,13 +2110,7 @@
       </p:sp>
       <p:sp>
         <p:nvSpPr>
-          <p:cNvPr id="6" name="Footer Placeholder 5">
-            <a:extLst>
-              <a:ext uri="{FF2B5EF4-FFF2-40B4-BE49-F238E27FC236}">
-                <a16:creationId xmlns:a16="http://schemas.microsoft.com/office/drawing/2014/main" id="{CF857DDD-8565-8DC2-64BF-62BC4FB3CE0E}"/>
-              </a:ext>
-            </a:extLst>
-          </p:cNvPr>
+          <p:cNvPr id="6" name="Footer Placeholder 5"/>
           <p:cNvSpPr>
             <a:spLocks noGrp="1"/>
           </p:cNvSpPr>
@@ -2424,13 +2129,7 @@
       </p:sp>
       <p:sp>
         <p:nvSpPr>
-          <p:cNvPr id="7" name="Slide Number Placeholder 6">
-            <a:extLst>
-              <a:ext uri="{FF2B5EF4-FFF2-40B4-BE49-F238E27FC236}">
-                <a16:creationId xmlns:a16="http://schemas.microsoft.com/office/drawing/2014/main" id="{97743705-F9AC-C0A8-1B47-EF0DAC43B7F0}"/>
-              </a:ext>
-            </a:extLst>
-          </p:cNvPr>
+          <p:cNvPr id="7" name="Slide Number Placeholder 6"/>
           <p:cNvSpPr>
             <a:spLocks noGrp="1"/>
           </p:cNvSpPr>
@@ -2454,7 +2153,7 @@
     </p:spTree>
     <p:extLst>
       <p:ext uri="{BB962C8B-B14F-4D97-AF65-F5344CB8AC3E}">
-        <p14:creationId xmlns:p14="http://schemas.microsoft.com/office/powerpoint/2010/main" val="3087855372"/>
+        <p14:creationId xmlns:p14="http://schemas.microsoft.com/office/powerpoint/2010/main" val="1682788392"/>
       </p:ext>
     </p:extLst>
   </p:cSld>
@@ -2483,13 +2182,7 @@
       </p:grpSpPr>
       <p:sp>
         <p:nvSpPr>
-          <p:cNvPr id="2" name="Title 1">
-            <a:extLst>
-              <a:ext uri="{FF2B5EF4-FFF2-40B4-BE49-F238E27FC236}">
-                <a16:creationId xmlns:a16="http://schemas.microsoft.com/office/drawing/2014/main" id="{D35DDF03-5DCC-C46E-F7A6-928DC9F0D946}"/>
-              </a:ext>
-            </a:extLst>
-          </p:cNvPr>
+          <p:cNvPr id="2" name="Title 1"/>
           <p:cNvSpPr>
             <a:spLocks noGrp="1"/>
           </p:cNvSpPr>
@@ -2499,15 +2192,15 @@
         </p:nvSpPr>
         <p:spPr>
           <a:xfrm>
-            <a:off x="839788" y="457200"/>
-            <a:ext cx="3932237" cy="1600200"/>
+            <a:off x="472381" y="812800"/>
+            <a:ext cx="2211884" cy="2844800"/>
           </a:xfrm>
         </p:spPr>
         <p:txBody>
           <a:bodyPr anchor="b"/>
           <a:lstStyle>
             <a:lvl1pPr>
-              <a:defRPr sz="3200"/>
+              <a:defRPr sz="2400"/>
             </a:lvl1pPr>
           </a:lstStyle>
           <a:p>
@@ -2515,20 +2208,15 @@
               <a:rPr lang="en-GB"/>
               <a:t>Click to edit Master title style</a:t>
             </a:r>
-          </a:p>
-        </p:txBody>
-      </p:sp>
-      <p:sp>
-        <p:nvSpPr>
-          <p:cNvPr id="3" name="Picture Placeholder 2">
-            <a:extLst>
-              <a:ext uri="{FF2B5EF4-FFF2-40B4-BE49-F238E27FC236}">
-                <a16:creationId xmlns:a16="http://schemas.microsoft.com/office/drawing/2014/main" id="{1D43C4E6-9575-C89C-3DEE-B3F6EDE03F1B}"/>
-              </a:ext>
-            </a:extLst>
-          </p:cNvPr>
-          <p:cNvSpPr>
-            <a:spLocks noGrp="1"/>
+            <a:endParaRPr lang="en-US" dirty="0"/>
+          </a:p>
+        </p:txBody>
+      </p:sp>
+      <p:sp>
+        <p:nvSpPr>
+          <p:cNvPr id="3" name="Picture Placeholder 2"/>
+          <p:cNvSpPr>
+            <a:spLocks noGrp="1" noChangeAspect="1"/>
           </p:cNvSpPr>
           <p:nvPr>
             <p:ph type="pic" idx="1"/>
@@ -2536,64 +2224,62 @@
         </p:nvSpPr>
         <p:spPr>
           <a:xfrm>
-            <a:off x="5183188" y="987425"/>
-            <a:ext cx="6172200" cy="4873625"/>
+            <a:off x="2915543" y="1755425"/>
+            <a:ext cx="3471863" cy="8664222"/>
           </a:xfrm>
         </p:spPr>
         <p:txBody>
-          <a:bodyPr/>
+          <a:bodyPr anchor="t"/>
           <a:lstStyle>
             <a:lvl1pPr marL="0" indent="0">
               <a:buNone/>
-              <a:defRPr sz="3200"/>
+              <a:defRPr sz="2400"/>
             </a:lvl1pPr>
-            <a:lvl2pPr marL="457200" indent="0">
-              <a:buNone/>
-              <a:defRPr sz="2800"/>
+            <a:lvl2pPr marL="342900" indent="0">
+              <a:buNone/>
+              <a:defRPr sz="2100"/>
             </a:lvl2pPr>
-            <a:lvl3pPr marL="914400" indent="0">
-              <a:buNone/>
-              <a:defRPr sz="2400"/>
+            <a:lvl3pPr marL="685800" indent="0">
+              <a:buNone/>
+              <a:defRPr sz="1800"/>
             </a:lvl3pPr>
-            <a:lvl4pPr marL="1371600" indent="0">
-              <a:buNone/>
-              <a:defRPr sz="2000"/>
+            <a:lvl4pPr marL="1028700" indent="0">
+              <a:buNone/>
+              <a:defRPr sz="1500"/>
             </a:lvl4pPr>
-            <a:lvl5pPr marL="1828800" indent="0">
-              <a:buNone/>
-              <a:defRPr sz="2000"/>
+            <a:lvl5pPr marL="1371600" indent="0">
+              <a:buNone/>
+              <a:defRPr sz="1500"/>
             </a:lvl5pPr>
-            <a:lvl6pPr marL="2286000" indent="0">
-              <a:buNone/>
-              <a:defRPr sz="2000"/>
+            <a:lvl6pPr marL="1714500" indent="0">
+              <a:buNone/>
+              <a:defRPr sz="1500"/>
             </a:lvl6pPr>
-            <a:lvl7pPr marL="2743200" indent="0">
-              <a:buNone/>
-              <a:defRPr sz="2000"/>
+            <a:lvl7pPr marL="2057400" indent="0">
+              <a:buNone/>
+              <a:defRPr sz="1500"/>
             </a:lvl7pPr>
-            <a:lvl8pPr marL="3200400" indent="0">
-              <a:buNone/>
-              <a:defRPr sz="2000"/>
+            <a:lvl8pPr marL="2400300" indent="0">
+              <a:buNone/>
+              <a:defRPr sz="1500"/>
             </a:lvl8pPr>
-            <a:lvl9pPr marL="3657600" indent="0">
-              <a:buNone/>
-              <a:defRPr sz="2000"/>
+            <a:lvl9pPr marL="2743200" indent="0">
+              <a:buNone/>
+              <a:defRPr sz="1500"/>
             </a:lvl9pPr>
           </a:lstStyle>
           <a:p>
-            <a:endParaRPr lang="en-GB"/>
-          </a:p>
-        </p:txBody>
-      </p:sp>
-      <p:sp>
-        <p:nvSpPr>
-          <p:cNvPr id="4" name="Text Placeholder 3">
-            <a:extLst>
-              <a:ext uri="{FF2B5EF4-FFF2-40B4-BE49-F238E27FC236}">
-                <a16:creationId xmlns:a16="http://schemas.microsoft.com/office/drawing/2014/main" id="{2FD0E6AD-8835-3333-29B1-84A012D06A80}"/>
-              </a:ext>
-            </a:extLst>
-          </p:cNvPr>
+            <a:r>
+              <a:rPr lang="en-GB"/>
+              <a:t>Click icon to add picture</a:t>
+            </a:r>
+            <a:endParaRPr lang="en-US" dirty="0"/>
+          </a:p>
+        </p:txBody>
+      </p:sp>
+      <p:sp>
+        <p:nvSpPr>
+          <p:cNvPr id="4" name="Text Placeholder 3"/>
           <p:cNvSpPr>
             <a:spLocks noGrp="1"/>
           </p:cNvSpPr>
@@ -2603,8 +2289,8 @@
         </p:nvSpPr>
         <p:spPr>
           <a:xfrm>
-            <a:off x="839788" y="2057400"/>
-            <a:ext cx="3932237" cy="3811588"/>
+            <a:off x="472381" y="3657600"/>
+            <a:ext cx="2211884" cy="6776156"/>
           </a:xfrm>
         </p:spPr>
         <p:txBody>
@@ -2612,39 +2298,39 @@
           <a:lstStyle>
             <a:lvl1pPr marL="0" indent="0">
               <a:buNone/>
-              <a:defRPr sz="1600"/>
+              <a:defRPr sz="1200"/>
             </a:lvl1pPr>
-            <a:lvl2pPr marL="457200" indent="0">
-              <a:buNone/>
-              <a:defRPr sz="1400"/>
+            <a:lvl2pPr marL="342900" indent="0">
+              <a:buNone/>
+              <a:defRPr sz="1050"/>
             </a:lvl2pPr>
-            <a:lvl3pPr marL="914400" indent="0">
-              <a:buNone/>
-              <a:defRPr sz="1200"/>
+            <a:lvl3pPr marL="685800" indent="0">
+              <a:buNone/>
+              <a:defRPr sz="900"/>
             </a:lvl3pPr>
-            <a:lvl4pPr marL="1371600" indent="0">
-              <a:buNone/>
-              <a:defRPr sz="1000"/>
+            <a:lvl4pPr marL="1028700" indent="0">
+              <a:buNone/>
+              <a:defRPr sz="750"/>
             </a:lvl4pPr>
-            <a:lvl5pPr marL="1828800" indent="0">
-              <a:buNone/>
-              <a:defRPr sz="1000"/>
+            <a:lvl5pPr marL="1371600" indent="0">
+              <a:buNone/>
+              <a:defRPr sz="750"/>
             </a:lvl5pPr>
-            <a:lvl6pPr marL="2286000" indent="0">
-              <a:buNone/>
-              <a:defRPr sz="1000"/>
+            <a:lvl6pPr marL="1714500" indent="0">
+              <a:buNone/>
+              <a:defRPr sz="750"/>
             </a:lvl6pPr>
-            <a:lvl7pPr marL="2743200" indent="0">
-              <a:buNone/>
-              <a:defRPr sz="1000"/>
+            <a:lvl7pPr marL="2057400" indent="0">
+              <a:buNone/>
+              <a:defRPr sz="750"/>
             </a:lvl7pPr>
-            <a:lvl8pPr marL="3200400" indent="0">
-              <a:buNone/>
-              <a:defRPr sz="1000"/>
+            <a:lvl8pPr marL="2400300" indent="0">
+              <a:buNone/>
+              <a:defRPr sz="750"/>
             </a:lvl8pPr>
-            <a:lvl9pPr marL="3657600" indent="0">
-              <a:buNone/>
-              <a:defRPr sz="1000"/>
+            <a:lvl9pPr marL="2743200" indent="0">
+              <a:buNone/>
+              <a:defRPr sz="750"/>
             </a:lvl9pPr>
           </a:lstStyle>
           <a:p>
@@ -2658,13 +2344,7 @@
       </p:sp>
       <p:sp>
         <p:nvSpPr>
-          <p:cNvPr id="5" name="Date Placeholder 4">
-            <a:extLst>
-              <a:ext uri="{FF2B5EF4-FFF2-40B4-BE49-F238E27FC236}">
-                <a16:creationId xmlns:a16="http://schemas.microsoft.com/office/drawing/2014/main" id="{A6C9631A-DA7B-0A3E-6ECF-1E4CB9B56D8D}"/>
-              </a:ext>
-            </a:extLst>
-          </p:cNvPr>
+          <p:cNvPr id="5" name="Date Placeholder 4"/>
           <p:cNvSpPr>
             <a:spLocks noGrp="1"/>
           </p:cNvSpPr>
@@ -2687,13 +2367,7 @@
       </p:sp>
       <p:sp>
         <p:nvSpPr>
-          <p:cNvPr id="6" name="Footer Placeholder 5">
-            <a:extLst>
-              <a:ext uri="{FF2B5EF4-FFF2-40B4-BE49-F238E27FC236}">
-                <a16:creationId xmlns:a16="http://schemas.microsoft.com/office/drawing/2014/main" id="{D4E4E50C-D7E5-FD68-3292-022CD64AAA3B}"/>
-              </a:ext>
-            </a:extLst>
-          </p:cNvPr>
+          <p:cNvPr id="6" name="Footer Placeholder 5"/>
           <p:cNvSpPr>
             <a:spLocks noGrp="1"/>
           </p:cNvSpPr>
@@ -2712,13 +2386,7 @@
       </p:sp>
       <p:sp>
         <p:nvSpPr>
-          <p:cNvPr id="7" name="Slide Number Placeholder 6">
-            <a:extLst>
-              <a:ext uri="{FF2B5EF4-FFF2-40B4-BE49-F238E27FC236}">
-                <a16:creationId xmlns:a16="http://schemas.microsoft.com/office/drawing/2014/main" id="{67EDADE6-6EB2-5738-D714-894420F43087}"/>
-              </a:ext>
-            </a:extLst>
-          </p:cNvPr>
+          <p:cNvPr id="7" name="Slide Number Placeholder 6"/>
           <p:cNvSpPr>
             <a:spLocks noGrp="1"/>
           </p:cNvSpPr>
@@ -2742,7 +2410,7 @@
     </p:spTree>
     <p:extLst>
       <p:ext uri="{BB962C8B-B14F-4D97-AF65-F5344CB8AC3E}">
-        <p14:creationId xmlns:p14="http://schemas.microsoft.com/office/powerpoint/2010/main" val="4173770814"/>
+        <p14:creationId xmlns:p14="http://schemas.microsoft.com/office/powerpoint/2010/main" val="1046938198"/>
       </p:ext>
     </p:extLst>
   </p:cSld>
@@ -2776,13 +2444,7 @@
       </p:grpSpPr>
       <p:sp>
         <p:nvSpPr>
-          <p:cNvPr id="2" name="Title Placeholder 1">
-            <a:extLst>
-              <a:ext uri="{FF2B5EF4-FFF2-40B4-BE49-F238E27FC236}">
-                <a16:creationId xmlns:a16="http://schemas.microsoft.com/office/drawing/2014/main" id="{DF90F98C-B0CF-A45E-FC1F-F29BEC36CD15}"/>
-              </a:ext>
-            </a:extLst>
-          </p:cNvPr>
+          <p:cNvPr id="2" name="Title Placeholder 1"/>
           <p:cNvSpPr>
             <a:spLocks noGrp="1"/>
           </p:cNvSpPr>
@@ -2792,8 +2454,8 @@
         </p:nvSpPr>
         <p:spPr>
           <a:xfrm>
-            <a:off x="838200" y="365125"/>
-            <a:ext cx="10515600" cy="1325563"/>
+            <a:off x="471488" y="649114"/>
+            <a:ext cx="5915025" cy="2356556"/>
           </a:xfrm>
           <a:prstGeom prst="rect">
             <a:avLst/>
@@ -2809,18 +2471,13 @@
               <a:rPr lang="en-GB"/>
               <a:t>Click to edit Master title style</a:t>
             </a:r>
-          </a:p>
-        </p:txBody>
-      </p:sp>
-      <p:sp>
-        <p:nvSpPr>
-          <p:cNvPr id="3" name="Text Placeholder 2">
-            <a:extLst>
-              <a:ext uri="{FF2B5EF4-FFF2-40B4-BE49-F238E27FC236}">
-                <a16:creationId xmlns:a16="http://schemas.microsoft.com/office/drawing/2014/main" id="{1044D5E6-6FA7-A8D1-0EC4-0C967FCDB8ED}"/>
-              </a:ext>
-            </a:extLst>
-          </p:cNvPr>
+            <a:endParaRPr lang="en-US" dirty="0"/>
+          </a:p>
+        </p:txBody>
+      </p:sp>
+      <p:sp>
+        <p:nvSpPr>
+          <p:cNvPr id="3" name="Text Placeholder 2"/>
           <p:cNvSpPr>
             <a:spLocks noGrp="1"/>
           </p:cNvSpPr>
@@ -2830,8 +2487,8 @@
         </p:nvSpPr>
         <p:spPr>
           <a:xfrm>
-            <a:off x="838200" y="1825625"/>
-            <a:ext cx="10515600" cy="4351338"/>
+            <a:off x="471488" y="3245556"/>
+            <a:ext cx="5915025" cy="7735712"/>
           </a:xfrm>
           <a:prstGeom prst="rect">
             <a:avLst/>
@@ -2876,18 +2533,13 @@
               <a:rPr lang="en-GB"/>
               <a:t>Fifth level</a:t>
             </a:r>
-          </a:p>
-        </p:txBody>
-      </p:sp>
-      <p:sp>
-        <p:nvSpPr>
-          <p:cNvPr id="4" name="Date Placeholder 3">
-            <a:extLst>
-              <a:ext uri="{FF2B5EF4-FFF2-40B4-BE49-F238E27FC236}">
-                <a16:creationId xmlns:a16="http://schemas.microsoft.com/office/drawing/2014/main" id="{6D4DE779-4504-CEC3-AC0C-DF98737DF2C1}"/>
-              </a:ext>
-            </a:extLst>
-          </p:cNvPr>
+            <a:endParaRPr lang="en-US" dirty="0"/>
+          </a:p>
+        </p:txBody>
+      </p:sp>
+      <p:sp>
+        <p:nvSpPr>
+          <p:cNvPr id="4" name="Date Placeholder 3"/>
           <p:cNvSpPr>
             <a:spLocks noGrp="1"/>
           </p:cNvSpPr>
@@ -2897,8 +2549,8 @@
         </p:nvSpPr>
         <p:spPr>
           <a:xfrm>
-            <a:off x="838200" y="6356350"/>
-            <a:ext cx="2743200" cy="365125"/>
+            <a:off x="471488" y="11300181"/>
+            <a:ext cx="1543050" cy="649111"/>
           </a:xfrm>
           <a:prstGeom prst="rect">
             <a:avLst/>
@@ -2908,7 +2560,7 @@
           <a:bodyPr vert="horz" lIns="91440" tIns="45720" rIns="91440" bIns="45720" rtlCol="0" anchor="ctr"/>
           <a:lstStyle>
             <a:lvl1pPr algn="l">
-              <a:defRPr sz="1200">
+              <a:defRPr sz="900">
                 <a:solidFill>
                   <a:schemeClr val="tx1">
                     <a:tint val="75000"/>
@@ -2928,13 +2580,7 @@
       </p:sp>
       <p:sp>
         <p:nvSpPr>
-          <p:cNvPr id="5" name="Footer Placeholder 4">
-            <a:extLst>
-              <a:ext uri="{FF2B5EF4-FFF2-40B4-BE49-F238E27FC236}">
-                <a16:creationId xmlns:a16="http://schemas.microsoft.com/office/drawing/2014/main" id="{47602447-EB73-AE61-9D5B-6E919678CAAA}"/>
-              </a:ext>
-            </a:extLst>
-          </p:cNvPr>
+          <p:cNvPr id="5" name="Footer Placeholder 4"/>
           <p:cNvSpPr>
             <a:spLocks noGrp="1"/>
           </p:cNvSpPr>
@@ -2944,8 +2590,8 @@
         </p:nvSpPr>
         <p:spPr>
           <a:xfrm>
-            <a:off x="4038600" y="6356350"/>
-            <a:ext cx="4114800" cy="365125"/>
+            <a:off x="2271713" y="11300181"/>
+            <a:ext cx="2314575" cy="649111"/>
           </a:xfrm>
           <a:prstGeom prst="rect">
             <a:avLst/>
@@ -2955,7 +2601,7 @@
           <a:bodyPr vert="horz" lIns="91440" tIns="45720" rIns="91440" bIns="45720" rtlCol="0" anchor="ctr"/>
           <a:lstStyle>
             <a:lvl1pPr algn="ctr">
-              <a:defRPr sz="1200">
+              <a:defRPr sz="900">
                 <a:solidFill>
                   <a:schemeClr val="tx1">
                     <a:tint val="75000"/>
@@ -2971,13 +2617,7 @@
       </p:sp>
       <p:sp>
         <p:nvSpPr>
-          <p:cNvPr id="6" name="Slide Number Placeholder 5">
-            <a:extLst>
-              <a:ext uri="{FF2B5EF4-FFF2-40B4-BE49-F238E27FC236}">
-                <a16:creationId xmlns:a16="http://schemas.microsoft.com/office/drawing/2014/main" id="{B3B91BA7-15B1-6421-08F8-C25FD32C33DD}"/>
-              </a:ext>
-            </a:extLst>
-          </p:cNvPr>
+          <p:cNvPr id="6" name="Slide Number Placeholder 5"/>
           <p:cNvSpPr>
             <a:spLocks noGrp="1"/>
           </p:cNvSpPr>
@@ -2987,8 +2627,8 @@
         </p:nvSpPr>
         <p:spPr>
           <a:xfrm>
-            <a:off x="8610600" y="6356350"/>
-            <a:ext cx="2743200" cy="365125"/>
+            <a:off x="4843463" y="11300181"/>
+            <a:ext cx="1543050" cy="649111"/>
           </a:xfrm>
           <a:prstGeom prst="rect">
             <a:avLst/>
@@ -2998,7 +2638,7 @@
           <a:bodyPr vert="horz" lIns="91440" tIns="45720" rIns="91440" bIns="45720" rtlCol="0" anchor="ctr"/>
           <a:lstStyle>
             <a:lvl1pPr algn="r">
-              <a:defRPr sz="1200">
+              <a:defRPr sz="900">
                 <a:solidFill>
                   <a:schemeClr val="tx1">
                     <a:tint val="75000"/>
@@ -3019,27 +2659,27 @@
     </p:spTree>
     <p:extLst>
       <p:ext uri="{BB962C8B-B14F-4D97-AF65-F5344CB8AC3E}">
-        <p14:creationId xmlns:p14="http://schemas.microsoft.com/office/powerpoint/2010/main" val="1400503401"/>
+        <p14:creationId xmlns:p14="http://schemas.microsoft.com/office/powerpoint/2010/main" val="3862618973"/>
       </p:ext>
     </p:extLst>
   </p:cSld>
   <p:clrMap bg1="lt1" tx1="dk1" bg2="lt2" tx2="dk2" accent1="accent1" accent2="accent2" accent3="accent3" accent4="accent4" accent5="accent5" accent6="accent6" hlink="hlink" folHlink="folHlink"/>
   <p:sldLayoutIdLst>
-    <p:sldLayoutId id="2147483649" r:id="rId1"/>
-    <p:sldLayoutId id="2147483650" r:id="rId2"/>
-    <p:sldLayoutId id="2147483651" r:id="rId3"/>
-    <p:sldLayoutId id="2147483652" r:id="rId4"/>
-    <p:sldLayoutId id="2147483653" r:id="rId5"/>
-    <p:sldLayoutId id="2147483654" r:id="rId6"/>
-    <p:sldLayoutId id="2147483655" r:id="rId7"/>
-    <p:sldLayoutId id="2147483656" r:id="rId8"/>
-    <p:sldLayoutId id="2147483657" r:id="rId9"/>
-    <p:sldLayoutId id="2147483658" r:id="rId10"/>
-    <p:sldLayoutId id="2147483659" r:id="rId11"/>
+    <p:sldLayoutId id="2147483661" r:id="rId1"/>
+    <p:sldLayoutId id="2147483662" r:id="rId2"/>
+    <p:sldLayoutId id="2147483663" r:id="rId3"/>
+    <p:sldLayoutId id="2147483664" r:id="rId4"/>
+    <p:sldLayoutId id="2147483665" r:id="rId5"/>
+    <p:sldLayoutId id="2147483666" r:id="rId6"/>
+    <p:sldLayoutId id="2147483667" r:id="rId7"/>
+    <p:sldLayoutId id="2147483668" r:id="rId8"/>
+    <p:sldLayoutId id="2147483669" r:id="rId9"/>
+    <p:sldLayoutId id="2147483670" r:id="rId10"/>
+    <p:sldLayoutId id="2147483671" r:id="rId11"/>
   </p:sldLayoutIdLst>
   <p:txStyles>
     <p:titleStyle>
-      <a:lvl1pPr algn="l" defTabSz="914400" rtl="0" eaLnBrk="1" latinLnBrk="0" hangingPunct="1">
+      <a:lvl1pPr algn="l" defTabSz="685800" rtl="0" eaLnBrk="1" latinLnBrk="0" hangingPunct="1">
         <a:lnSpc>
           <a:spcPct val="90000"/>
         </a:lnSpc>
@@ -3047,7 +2687,7 @@
           <a:spcPct val="0"/>
         </a:spcBef>
         <a:buNone/>
-        <a:defRPr sz="4400" kern="1200">
+        <a:defRPr sz="3300" kern="1200">
           <a:solidFill>
             <a:schemeClr val="tx1"/>
           </a:solidFill>
@@ -3058,16 +2698,16 @@
       </a:lvl1pPr>
     </p:titleStyle>
     <p:bodyStyle>
-      <a:lvl1pPr marL="228600" indent="-228600" algn="l" defTabSz="914400" rtl="0" eaLnBrk="1" latinLnBrk="0" hangingPunct="1">
+      <a:lvl1pPr marL="171450" indent="-171450" algn="l" defTabSz="685800" rtl="0" eaLnBrk="1" latinLnBrk="0" hangingPunct="1">
         <a:lnSpc>
           <a:spcPct val="90000"/>
         </a:lnSpc>
         <a:spcBef>
-          <a:spcPts val="1000"/>
+          <a:spcPts val="750"/>
         </a:spcBef>
         <a:buFont typeface="Arial" panose="020B0604020202020204" pitchFamily="34" charset="0"/>
         <a:buChar char="•"/>
-        <a:defRPr sz="2800" kern="1200">
+        <a:defRPr sz="2100" kern="1200">
           <a:solidFill>
             <a:schemeClr val="tx1"/>
           </a:solidFill>
@@ -3076,48 +2716,12 @@
           <a:cs typeface="+mn-cs"/>
         </a:defRPr>
       </a:lvl1pPr>
-      <a:lvl2pPr marL="685800" indent="-228600" algn="l" defTabSz="914400" rtl="0" eaLnBrk="1" latinLnBrk="0" hangingPunct="1">
+      <a:lvl2pPr marL="514350" indent="-171450" algn="l" defTabSz="685800" rtl="0" eaLnBrk="1" latinLnBrk="0" hangingPunct="1">
         <a:lnSpc>
           <a:spcPct val="90000"/>
         </a:lnSpc>
         <a:spcBef>
-          <a:spcPts val="500"/>
-        </a:spcBef>
-        <a:buFont typeface="Arial" panose="020B0604020202020204" pitchFamily="34" charset="0"/>
-        <a:buChar char="•"/>
-        <a:defRPr sz="2400" kern="1200">
-          <a:solidFill>
-            <a:schemeClr val="tx1"/>
-          </a:solidFill>
-          <a:latin typeface="+mn-lt"/>
-          <a:ea typeface="+mn-ea"/>
-          <a:cs typeface="+mn-cs"/>
-        </a:defRPr>
-      </a:lvl2pPr>
-      <a:lvl3pPr marL="1143000" indent="-228600" algn="l" defTabSz="914400" rtl="0" eaLnBrk="1" latinLnBrk="0" hangingPunct="1">
-        <a:lnSpc>
-          <a:spcPct val="90000"/>
-        </a:lnSpc>
-        <a:spcBef>
-          <a:spcPts val="500"/>
-        </a:spcBef>
-        <a:buFont typeface="Arial" panose="020B0604020202020204" pitchFamily="34" charset="0"/>
-        <a:buChar char="•"/>
-        <a:defRPr sz="2000" kern="1200">
-          <a:solidFill>
-            <a:schemeClr val="tx1"/>
-          </a:solidFill>
-          <a:latin typeface="+mn-lt"/>
-          <a:ea typeface="+mn-ea"/>
-          <a:cs typeface="+mn-cs"/>
-        </a:defRPr>
-      </a:lvl3pPr>
-      <a:lvl4pPr marL="1600200" indent="-228600" algn="l" defTabSz="914400" rtl="0" eaLnBrk="1" latinLnBrk="0" hangingPunct="1">
-        <a:lnSpc>
-          <a:spcPct val="90000"/>
-        </a:lnSpc>
-        <a:spcBef>
-          <a:spcPts val="500"/>
+          <a:spcPts val="375"/>
         </a:spcBef>
         <a:buFont typeface="Arial" panose="020B0604020202020204" pitchFamily="34" charset="0"/>
         <a:buChar char="•"/>
@@ -3129,17 +2733,53 @@
           <a:ea typeface="+mn-ea"/>
           <a:cs typeface="+mn-cs"/>
         </a:defRPr>
-      </a:lvl4pPr>
-      <a:lvl5pPr marL="2057400" indent="-228600" algn="l" defTabSz="914400" rtl="0" eaLnBrk="1" latinLnBrk="0" hangingPunct="1">
+      </a:lvl2pPr>
+      <a:lvl3pPr marL="857250" indent="-171450" algn="l" defTabSz="685800" rtl="0" eaLnBrk="1" latinLnBrk="0" hangingPunct="1">
         <a:lnSpc>
           <a:spcPct val="90000"/>
         </a:lnSpc>
         <a:spcBef>
-          <a:spcPts val="500"/>
+          <a:spcPts val="375"/>
         </a:spcBef>
         <a:buFont typeface="Arial" panose="020B0604020202020204" pitchFamily="34" charset="0"/>
         <a:buChar char="•"/>
-        <a:defRPr sz="1800" kern="1200">
+        <a:defRPr sz="1500" kern="1200">
+          <a:solidFill>
+            <a:schemeClr val="tx1"/>
+          </a:solidFill>
+          <a:latin typeface="+mn-lt"/>
+          <a:ea typeface="+mn-ea"/>
+          <a:cs typeface="+mn-cs"/>
+        </a:defRPr>
+      </a:lvl3pPr>
+      <a:lvl4pPr marL="1200150" indent="-171450" algn="l" defTabSz="685800" rtl="0" eaLnBrk="1" latinLnBrk="0" hangingPunct="1">
+        <a:lnSpc>
+          <a:spcPct val="90000"/>
+        </a:lnSpc>
+        <a:spcBef>
+          <a:spcPts val="375"/>
+        </a:spcBef>
+        <a:buFont typeface="Arial" panose="020B0604020202020204" pitchFamily="34" charset="0"/>
+        <a:buChar char="•"/>
+        <a:defRPr sz="1350" kern="1200">
+          <a:solidFill>
+            <a:schemeClr val="tx1"/>
+          </a:solidFill>
+          <a:latin typeface="+mn-lt"/>
+          <a:ea typeface="+mn-ea"/>
+          <a:cs typeface="+mn-cs"/>
+        </a:defRPr>
+      </a:lvl4pPr>
+      <a:lvl5pPr marL="1543050" indent="-171450" algn="l" defTabSz="685800" rtl="0" eaLnBrk="1" latinLnBrk="0" hangingPunct="1">
+        <a:lnSpc>
+          <a:spcPct val="90000"/>
+        </a:lnSpc>
+        <a:spcBef>
+          <a:spcPts val="375"/>
+        </a:spcBef>
+        <a:buFont typeface="Arial" panose="020B0604020202020204" pitchFamily="34" charset="0"/>
+        <a:buChar char="•"/>
+        <a:defRPr sz="1350" kern="1200">
           <a:solidFill>
             <a:schemeClr val="tx1"/>
           </a:solidFill>
@@ -3148,16 +2788,16 @@
           <a:cs typeface="+mn-cs"/>
         </a:defRPr>
       </a:lvl5pPr>
-      <a:lvl6pPr marL="2514600" indent="-228600" algn="l" defTabSz="914400" rtl="0" eaLnBrk="1" latinLnBrk="0" hangingPunct="1">
+      <a:lvl6pPr marL="1885950" indent="-171450" algn="l" defTabSz="685800" rtl="0" eaLnBrk="1" latinLnBrk="0" hangingPunct="1">
         <a:lnSpc>
           <a:spcPct val="90000"/>
         </a:lnSpc>
         <a:spcBef>
-          <a:spcPts val="500"/>
+          <a:spcPts val="375"/>
         </a:spcBef>
         <a:buFont typeface="Arial" panose="020B0604020202020204" pitchFamily="34" charset="0"/>
         <a:buChar char="•"/>
-        <a:defRPr sz="1800" kern="1200">
+        <a:defRPr sz="1350" kern="1200">
           <a:solidFill>
             <a:schemeClr val="tx1"/>
           </a:solidFill>
@@ -3166,16 +2806,16 @@
           <a:cs typeface="+mn-cs"/>
         </a:defRPr>
       </a:lvl6pPr>
-      <a:lvl7pPr marL="2971800" indent="-228600" algn="l" defTabSz="914400" rtl="0" eaLnBrk="1" latinLnBrk="0" hangingPunct="1">
+      <a:lvl7pPr marL="2228850" indent="-171450" algn="l" defTabSz="685800" rtl="0" eaLnBrk="1" latinLnBrk="0" hangingPunct="1">
         <a:lnSpc>
           <a:spcPct val="90000"/>
         </a:lnSpc>
         <a:spcBef>
-          <a:spcPts val="500"/>
+          <a:spcPts val="375"/>
         </a:spcBef>
         <a:buFont typeface="Arial" panose="020B0604020202020204" pitchFamily="34" charset="0"/>
         <a:buChar char="•"/>
-        <a:defRPr sz="1800" kern="1200">
+        <a:defRPr sz="1350" kern="1200">
           <a:solidFill>
             <a:schemeClr val="tx1"/>
           </a:solidFill>
@@ -3184,16 +2824,16 @@
           <a:cs typeface="+mn-cs"/>
         </a:defRPr>
       </a:lvl7pPr>
-      <a:lvl8pPr marL="3429000" indent="-228600" algn="l" defTabSz="914400" rtl="0" eaLnBrk="1" latinLnBrk="0" hangingPunct="1">
+      <a:lvl8pPr marL="2571750" indent="-171450" algn="l" defTabSz="685800" rtl="0" eaLnBrk="1" latinLnBrk="0" hangingPunct="1">
         <a:lnSpc>
           <a:spcPct val="90000"/>
         </a:lnSpc>
         <a:spcBef>
-          <a:spcPts val="500"/>
+          <a:spcPts val="375"/>
         </a:spcBef>
         <a:buFont typeface="Arial" panose="020B0604020202020204" pitchFamily="34" charset="0"/>
         <a:buChar char="•"/>
-        <a:defRPr sz="1800" kern="1200">
+        <a:defRPr sz="1350" kern="1200">
           <a:solidFill>
             <a:schemeClr val="tx1"/>
           </a:solidFill>
@@ -3202,16 +2842,16 @@
           <a:cs typeface="+mn-cs"/>
         </a:defRPr>
       </a:lvl8pPr>
-      <a:lvl9pPr marL="3886200" indent="-228600" algn="l" defTabSz="914400" rtl="0" eaLnBrk="1" latinLnBrk="0" hangingPunct="1">
+      <a:lvl9pPr marL="2914650" indent="-171450" algn="l" defTabSz="685800" rtl="0" eaLnBrk="1" latinLnBrk="0" hangingPunct="1">
         <a:lnSpc>
           <a:spcPct val="90000"/>
         </a:lnSpc>
         <a:spcBef>
-          <a:spcPts val="500"/>
+          <a:spcPts val="375"/>
         </a:spcBef>
         <a:buFont typeface="Arial" panose="020B0604020202020204" pitchFamily="34" charset="0"/>
         <a:buChar char="•"/>
-        <a:defRPr sz="1800" kern="1200">
+        <a:defRPr sz="1350" kern="1200">
           <a:solidFill>
             <a:schemeClr val="tx1"/>
           </a:solidFill>
@@ -3223,10 +2863,10 @@
     </p:bodyStyle>
     <p:otherStyle>
       <a:defPPr>
-        <a:defRPr lang="en-FI"/>
+        <a:defRPr lang="en-US"/>
       </a:defPPr>
-      <a:lvl1pPr marL="0" algn="l" defTabSz="914400" rtl="0" eaLnBrk="1" latinLnBrk="0" hangingPunct="1">
-        <a:defRPr sz="1800" kern="1200">
+      <a:lvl1pPr marL="0" algn="l" defTabSz="685800" rtl="0" eaLnBrk="1" latinLnBrk="0" hangingPunct="1">
+        <a:defRPr sz="1350" kern="1200">
           <a:solidFill>
             <a:schemeClr val="tx1"/>
           </a:solidFill>
@@ -3235,8 +2875,8 @@
           <a:cs typeface="+mn-cs"/>
         </a:defRPr>
       </a:lvl1pPr>
-      <a:lvl2pPr marL="457200" algn="l" defTabSz="914400" rtl="0" eaLnBrk="1" latinLnBrk="0" hangingPunct="1">
-        <a:defRPr sz="1800" kern="1200">
+      <a:lvl2pPr marL="342900" algn="l" defTabSz="685800" rtl="0" eaLnBrk="1" latinLnBrk="0" hangingPunct="1">
+        <a:defRPr sz="1350" kern="1200">
           <a:solidFill>
             <a:schemeClr val="tx1"/>
           </a:solidFill>
@@ -3245,8 +2885,8 @@
           <a:cs typeface="+mn-cs"/>
         </a:defRPr>
       </a:lvl2pPr>
-      <a:lvl3pPr marL="914400" algn="l" defTabSz="914400" rtl="0" eaLnBrk="1" latinLnBrk="0" hangingPunct="1">
-        <a:defRPr sz="1800" kern="1200">
+      <a:lvl3pPr marL="685800" algn="l" defTabSz="685800" rtl="0" eaLnBrk="1" latinLnBrk="0" hangingPunct="1">
+        <a:defRPr sz="1350" kern="1200">
           <a:solidFill>
             <a:schemeClr val="tx1"/>
           </a:solidFill>
@@ -3255,8 +2895,8 @@
           <a:cs typeface="+mn-cs"/>
         </a:defRPr>
       </a:lvl3pPr>
-      <a:lvl4pPr marL="1371600" algn="l" defTabSz="914400" rtl="0" eaLnBrk="1" latinLnBrk="0" hangingPunct="1">
-        <a:defRPr sz="1800" kern="1200">
+      <a:lvl4pPr marL="1028700" algn="l" defTabSz="685800" rtl="0" eaLnBrk="1" latinLnBrk="0" hangingPunct="1">
+        <a:defRPr sz="1350" kern="1200">
           <a:solidFill>
             <a:schemeClr val="tx1"/>
           </a:solidFill>
@@ -3265,8 +2905,8 @@
           <a:cs typeface="+mn-cs"/>
         </a:defRPr>
       </a:lvl4pPr>
-      <a:lvl5pPr marL="1828800" algn="l" defTabSz="914400" rtl="0" eaLnBrk="1" latinLnBrk="0" hangingPunct="1">
-        <a:defRPr sz="1800" kern="1200">
+      <a:lvl5pPr marL="1371600" algn="l" defTabSz="685800" rtl="0" eaLnBrk="1" latinLnBrk="0" hangingPunct="1">
+        <a:defRPr sz="1350" kern="1200">
           <a:solidFill>
             <a:schemeClr val="tx1"/>
           </a:solidFill>
@@ -3275,8 +2915,8 @@
           <a:cs typeface="+mn-cs"/>
         </a:defRPr>
       </a:lvl5pPr>
-      <a:lvl6pPr marL="2286000" algn="l" defTabSz="914400" rtl="0" eaLnBrk="1" latinLnBrk="0" hangingPunct="1">
-        <a:defRPr sz="1800" kern="1200">
+      <a:lvl6pPr marL="1714500" algn="l" defTabSz="685800" rtl="0" eaLnBrk="1" latinLnBrk="0" hangingPunct="1">
+        <a:defRPr sz="1350" kern="1200">
           <a:solidFill>
             <a:schemeClr val="tx1"/>
           </a:solidFill>
@@ -3285,8 +2925,8 @@
           <a:cs typeface="+mn-cs"/>
         </a:defRPr>
       </a:lvl6pPr>
-      <a:lvl7pPr marL="2743200" algn="l" defTabSz="914400" rtl="0" eaLnBrk="1" latinLnBrk="0" hangingPunct="1">
-        <a:defRPr sz="1800" kern="1200">
+      <a:lvl7pPr marL="2057400" algn="l" defTabSz="685800" rtl="0" eaLnBrk="1" latinLnBrk="0" hangingPunct="1">
+        <a:defRPr sz="1350" kern="1200">
           <a:solidFill>
             <a:schemeClr val="tx1"/>
           </a:solidFill>
@@ -3295,8 +2935,8 @@
           <a:cs typeface="+mn-cs"/>
         </a:defRPr>
       </a:lvl7pPr>
-      <a:lvl8pPr marL="3200400" algn="l" defTabSz="914400" rtl="0" eaLnBrk="1" latinLnBrk="0" hangingPunct="1">
-        <a:defRPr sz="1800" kern="1200">
+      <a:lvl8pPr marL="2400300" algn="l" defTabSz="685800" rtl="0" eaLnBrk="1" latinLnBrk="0" hangingPunct="1">
+        <a:defRPr sz="1350" kern="1200">
           <a:solidFill>
             <a:schemeClr val="tx1"/>
           </a:solidFill>
@@ -3305,8 +2945,8 @@
           <a:cs typeface="+mn-cs"/>
         </a:defRPr>
       </a:lvl8pPr>
-      <a:lvl9pPr marL="3657600" algn="l" defTabSz="914400" rtl="0" eaLnBrk="1" latinLnBrk="0" hangingPunct="1">
-        <a:defRPr sz="1800" kern="1200">
+      <a:lvl9pPr marL="2743200" algn="l" defTabSz="685800" rtl="0" eaLnBrk="1" latinLnBrk="0" hangingPunct="1">
+        <a:defRPr sz="1350" kern="1200">
           <a:solidFill>
             <a:schemeClr val="tx1"/>
           </a:solidFill>
@@ -3339,10 +2979,10 @@
       </p:grpSpPr>
       <p:pic>
         <p:nvPicPr>
-          <p:cNvPr id="11" name="Picture 10">
+          <p:cNvPr id="20" name="Picture 19">
             <a:extLst>
               <a:ext uri="{FF2B5EF4-FFF2-40B4-BE49-F238E27FC236}">
-                <a16:creationId xmlns:a16="http://schemas.microsoft.com/office/drawing/2014/main" id="{DC97BDFF-863D-31FA-4828-D68EA5866113}"/>
+                <a16:creationId xmlns:a16="http://schemas.microsoft.com/office/drawing/2014/main" id="{6B0F7603-8EED-E2C3-300E-8D9438F11D0B}"/>
               </a:ext>
             </a:extLst>
           </p:cNvPr>
@@ -3360,7 +3000,7 @@
         <p:spPr>
           <a:xfrm>
             <a:off x="0" y="0"/>
-            <a:ext cx="4080117" cy="4080117"/>
+            <a:ext cx="3282238" cy="3282238"/>
           </a:xfrm>
           <a:prstGeom prst="rect">
             <a:avLst/>
@@ -3369,10 +3009,10 @@
       </p:pic>
       <p:pic>
         <p:nvPicPr>
-          <p:cNvPr id="13" name="Picture 12">
+          <p:cNvPr id="22" name="Picture 21">
             <a:extLst>
               <a:ext uri="{FF2B5EF4-FFF2-40B4-BE49-F238E27FC236}">
-                <a16:creationId xmlns:a16="http://schemas.microsoft.com/office/drawing/2014/main" id="{484CACE8-8EB2-F30C-9D33-90A87C7AE3EF}"/>
+                <a16:creationId xmlns:a16="http://schemas.microsoft.com/office/drawing/2014/main" id="{123E7E0C-9DCD-69C1-0E0F-77CBE034F2B6}"/>
               </a:ext>
             </a:extLst>
           </p:cNvPr>
@@ -3389,8 +3029,8 @@
         </p:blipFill>
         <p:spPr>
           <a:xfrm>
-            <a:off x="3938226" y="0"/>
-            <a:ext cx="4080117" cy="4080117"/>
+            <a:off x="3282238" y="0"/>
+            <a:ext cx="3282238" cy="3282238"/>
           </a:xfrm>
           <a:prstGeom prst="rect">
             <a:avLst/>
@@ -3399,10 +3039,10 @@
       </p:pic>
       <p:pic>
         <p:nvPicPr>
-          <p:cNvPr id="15" name="Picture 14">
+          <p:cNvPr id="24" name="Picture 23">
             <a:extLst>
               <a:ext uri="{FF2B5EF4-FFF2-40B4-BE49-F238E27FC236}">
-                <a16:creationId xmlns:a16="http://schemas.microsoft.com/office/drawing/2014/main" id="{3DECB2B2-9546-96E1-73AD-9F169CEF3F86}"/>
+                <a16:creationId xmlns:a16="http://schemas.microsoft.com/office/drawing/2014/main" id="{A7BFCB0B-DEB0-884E-C1D1-F2388C03FC4C}"/>
               </a:ext>
             </a:extLst>
           </p:cNvPr>
@@ -3419,8 +3059,38 @@
         </p:blipFill>
         <p:spPr>
           <a:xfrm>
-            <a:off x="7876452" y="0"/>
-            <a:ext cx="4080117" cy="4080117"/>
+            <a:off x="0" y="2674938"/>
+            <a:ext cx="3282238" cy="3282238"/>
+          </a:xfrm>
+          <a:prstGeom prst="rect">
+            <a:avLst/>
+          </a:prstGeom>
+        </p:spPr>
+      </p:pic>
+      <p:pic>
+        <p:nvPicPr>
+          <p:cNvPr id="26" name="Picture 25">
+            <a:extLst>
+              <a:ext uri="{FF2B5EF4-FFF2-40B4-BE49-F238E27FC236}">
+                <a16:creationId xmlns:a16="http://schemas.microsoft.com/office/drawing/2014/main" id="{F8B0996D-8C6E-358F-D099-423E2C69EED9}"/>
+              </a:ext>
+            </a:extLst>
+          </p:cNvPr>
+          <p:cNvPicPr>
+            <a:picLocks noChangeAspect="1"/>
+          </p:cNvPicPr>
+          <p:nvPr/>
+        </p:nvPicPr>
+        <p:blipFill>
+          <a:blip r:embed="rId5"/>
+          <a:stretch>
+            <a:fillRect/>
+          </a:stretch>
+        </p:blipFill>
+        <p:spPr>
+          <a:xfrm>
+            <a:off x="3282238" y="2673019"/>
+            <a:ext cx="3282238" cy="3282238"/>
           </a:xfrm>
           <a:prstGeom prst="rect">
             <a:avLst/>
@@ -3441,8 +3111,8 @@
         </p:nvSpPr>
         <p:spPr>
           <a:xfrm>
-            <a:off x="71004" y="287665"/>
-            <a:ext cx="385042" cy="523220"/>
+            <a:off x="76987" y="276432"/>
+            <a:ext cx="296876" cy="334707"/>
           </a:xfrm>
           <a:prstGeom prst="rect">
             <a:avLst/>
@@ -3456,7 +3126,7 @@
           <a:lstStyle/>
           <a:p>
             <a:r>
-              <a:rPr lang="en-GB" sz="2800" b="1" dirty="0">
+              <a:rPr lang="en-GB" sz="1575" b="1" dirty="0">
                 <a:latin typeface="Helvetica" pitchFamily="2" charset="0"/>
               </a:rPr>
               <a:t>a</a:t>
@@ -3478,8 +3148,8 @@
         </p:nvSpPr>
         <p:spPr>
           <a:xfrm>
-            <a:off x="4009230" y="287665"/>
-            <a:ext cx="404278" cy="523220"/>
+            <a:off x="3348003" y="276432"/>
+            <a:ext cx="308098" cy="334707"/>
           </a:xfrm>
           <a:prstGeom prst="rect">
             <a:avLst/>
@@ -3493,7 +3163,7 @@
           <a:lstStyle/>
           <a:p>
             <a:r>
-              <a:rPr lang="en-GB" sz="2800" b="1" dirty="0">
+              <a:rPr lang="en-GB" sz="1575" b="1" dirty="0">
                 <a:latin typeface="Helvetica" pitchFamily="2" charset="0"/>
               </a:rPr>
               <a:t>b</a:t>
@@ -3515,8 +3185,8 @@
         </p:nvSpPr>
         <p:spPr>
           <a:xfrm>
-            <a:off x="7945354" y="287665"/>
-            <a:ext cx="385042" cy="523220"/>
+            <a:off x="76987" y="2947531"/>
+            <a:ext cx="296876" cy="334707"/>
           </a:xfrm>
           <a:prstGeom prst="rect">
             <a:avLst/>
@@ -3530,10 +3200,47 @@
           <a:lstStyle/>
           <a:p>
             <a:r>
-              <a:rPr lang="en-GB" sz="2800" b="1" dirty="0">
+              <a:rPr lang="en-GB" sz="1575" b="1" dirty="0">
                 <a:latin typeface="Helvetica" pitchFamily="2" charset="0"/>
               </a:rPr>
               <a:t>c</a:t>
+            </a:r>
+          </a:p>
+        </p:txBody>
+      </p:sp>
+      <p:sp>
+        <p:nvSpPr>
+          <p:cNvPr id="27" name="TextBox 26">
+            <a:extLst>
+              <a:ext uri="{FF2B5EF4-FFF2-40B4-BE49-F238E27FC236}">
+                <a16:creationId xmlns:a16="http://schemas.microsoft.com/office/drawing/2014/main" id="{C857CE9A-C7B0-E7D2-3B0B-819167351A26}"/>
+              </a:ext>
+            </a:extLst>
+          </p:cNvPr>
+          <p:cNvSpPr txBox="1"/>
+          <p:nvPr/>
+        </p:nvSpPr>
+        <p:spPr>
+          <a:xfrm>
+            <a:off x="3346389" y="2949625"/>
+            <a:ext cx="308098" cy="334707"/>
+          </a:xfrm>
+          <a:prstGeom prst="rect">
+            <a:avLst/>
+          </a:prstGeom>
+          <a:noFill/>
+        </p:spPr>
+        <p:txBody>
+          <a:bodyPr wrap="none" rtlCol="0">
+            <a:spAutoFit/>
+          </a:bodyPr>
+          <a:lstStyle/>
+          <a:p>
+            <a:r>
+              <a:rPr lang="en-GB" sz="1575" b="1" dirty="0">
+                <a:latin typeface="Helvetica" pitchFamily="2" charset="0"/>
+              </a:rPr>
+              <a:t>d</a:t>
             </a:r>
           </a:p>
         </p:txBody>
@@ -3554,7 +3261,7 @@
 <file path=ppt/theme/theme1.xml><?xml version="1.0" encoding="utf-8"?>
 <a:theme xmlns:a="http://schemas.openxmlformats.org/drawingml/2006/main" name="Office Theme">
   <a:themeElements>
-    <a:clrScheme name="Office">
+    <a:clrScheme name="Office Theme">
       <a:dk1>
         <a:sysClr val="windowText" lastClr="000000"/>
       </a:dk1>
@@ -3592,7 +3299,7 @@
         <a:srgbClr val="954F72"/>
       </a:folHlink>
     </a:clrScheme>
-    <a:fontScheme name="Office">
+    <a:fontScheme name="Office Theme">
       <a:majorFont>
         <a:latin typeface="Calibri Light" panose="020F0302020204030204"/>
         <a:ea typeface=""/>
@@ -3627,23 +3334,6 @@
         <a:font script="Viet" typeface="Times New Roman"/>
         <a:font script="Uigh" typeface="Microsoft Uighur"/>
         <a:font script="Geor" typeface="Sylfaen"/>
-        <a:font script="Armn" typeface="Arial"/>
-        <a:font script="Bugi" typeface="Leelawadee UI"/>
-        <a:font script="Bopo" typeface="Microsoft JhengHei"/>
-        <a:font script="Java" typeface="Javanese Text"/>
-        <a:font script="Lisu" typeface="Segoe UI"/>
-        <a:font script="Mymr" typeface="Myanmar Text"/>
-        <a:font script="Nkoo" typeface="Ebrima"/>
-        <a:font script="Olck" typeface="Nirmala UI"/>
-        <a:font script="Osma" typeface="Ebrima"/>
-        <a:font script="Phag" typeface="Phagspa"/>
-        <a:font script="Syrn" typeface="Estrangelo Edessa"/>
-        <a:font script="Syrj" typeface="Estrangelo Edessa"/>
-        <a:font script="Syre" typeface="Estrangelo Edessa"/>
-        <a:font script="Sora" typeface="Nirmala UI"/>
-        <a:font script="Tale" typeface="Microsoft Tai Le"/>
-        <a:font script="Talu" typeface="Microsoft New Tai Lue"/>
-        <a:font script="Tfng" typeface="Ebrima"/>
       </a:majorFont>
       <a:minorFont>
         <a:latin typeface="Calibri" panose="020F0502020204030204"/>
@@ -3679,26 +3369,9 @@
         <a:font script="Viet" typeface="Arial"/>
         <a:font script="Uigh" typeface="Microsoft Uighur"/>
         <a:font script="Geor" typeface="Sylfaen"/>
-        <a:font script="Armn" typeface="Arial"/>
-        <a:font script="Bugi" typeface="Leelawadee UI"/>
-        <a:font script="Bopo" typeface="Microsoft JhengHei"/>
-        <a:font script="Java" typeface="Javanese Text"/>
-        <a:font script="Lisu" typeface="Segoe UI"/>
-        <a:font script="Mymr" typeface="Myanmar Text"/>
-        <a:font script="Nkoo" typeface="Ebrima"/>
-        <a:font script="Olck" typeface="Nirmala UI"/>
-        <a:font script="Osma" typeface="Ebrima"/>
-        <a:font script="Phag" typeface="Phagspa"/>
-        <a:font script="Syrn" typeface="Estrangelo Edessa"/>
-        <a:font script="Syrj" typeface="Estrangelo Edessa"/>
-        <a:font script="Syre" typeface="Estrangelo Edessa"/>
-        <a:font script="Sora" typeface="Nirmala UI"/>
-        <a:font script="Tale" typeface="Microsoft Tai Le"/>
-        <a:font script="Talu" typeface="Microsoft New Tai Lue"/>
-        <a:font script="Tfng" typeface="Ebrima"/>
       </a:minorFont>
     </a:fontScheme>
-    <a:fmtScheme name="Office">
+    <a:fmtScheme name="Office Theme">
       <a:fillStyleLst>
         <a:solidFill>
           <a:schemeClr val="phClr"/>
